--- a/presentacion.pptx
+++ b/presentacion.pptx
@@ -106,6 +106,11 @@
       </a:defRPr>
     </a:lvl9pPr>
   </p:defaultTextStyle>
+  <p:extLst>
+    <p:ext uri="{EFAFB233-063F-42B5-8137-9DF3F51BA10A}">
+      <p15:sldGuideLst xmlns:p15="http://schemas.microsoft.com/office/powerpoint/2012/main"/>
+    </p:ext>
+  </p:extLst>
 </p:presentation>
 </file>
 
@@ -154,7 +159,6 @@
               <a:rPr lang="es-ES"/>
               <a:t>Haga clic para modificar el estilo de título del patrón</a:t>
             </a:r>
-            <a:endParaRPr lang="es-ES"/>
           </a:p>
         </p:txBody>
       </p:sp>
@@ -219,7 +223,6 @@
               <a:rPr lang="es-ES"/>
               <a:t>Haga clic para editar el estilo de subtítulo del patrón</a:t>
             </a:r>
-            <a:endParaRPr lang="es-ES"/>
           </a:p>
         </p:txBody>
       </p:sp>
@@ -337,7 +340,6 @@
               <a:rPr lang="es-ES"/>
               <a:t>Haga clic para modificar el estilo de título del patrón</a:t>
             </a:r>
-            <a:endParaRPr lang="es-ES"/>
           </a:p>
         </p:txBody>
       </p:sp>
@@ -389,7 +391,6 @@
               <a:rPr lang="es-ES"/>
               <a:t>Quinto nivel</a:t>
             </a:r>
-            <a:endParaRPr lang="es-ES"/>
           </a:p>
         </p:txBody>
       </p:sp>
@@ -512,7 +513,6 @@
               <a:rPr lang="es-ES"/>
               <a:t>Haga clic para modificar el estilo de título del patrón</a:t>
             </a:r>
-            <a:endParaRPr lang="es-ES"/>
           </a:p>
         </p:txBody>
       </p:sp>
@@ -569,7 +569,6 @@
               <a:rPr lang="es-ES"/>
               <a:t>Quinto nivel</a:t>
             </a:r>
-            <a:endParaRPr lang="es-ES"/>
           </a:p>
         </p:txBody>
       </p:sp>
@@ -687,7 +686,6 @@
               <a:rPr lang="es-ES"/>
               <a:t>Haga clic para modificar el estilo de título del patrón</a:t>
             </a:r>
-            <a:endParaRPr lang="es-ES"/>
           </a:p>
         </p:txBody>
       </p:sp>
@@ -739,7 +737,6 @@
               <a:rPr lang="es-ES"/>
               <a:t>Quinto nivel</a:t>
             </a:r>
-            <a:endParaRPr lang="es-ES"/>
           </a:p>
         </p:txBody>
       </p:sp>
@@ -866,7 +863,6 @@
               <a:rPr lang="es-ES"/>
               <a:t>Haga clic para modificar el estilo de título del patrón</a:t>
             </a:r>
-            <a:endParaRPr lang="es-ES"/>
           </a:p>
         </p:txBody>
       </p:sp>
@@ -1103,7 +1099,6 @@
               <a:rPr lang="es-ES"/>
               <a:t>Haga clic para modificar el estilo de título del patrón</a:t>
             </a:r>
-            <a:endParaRPr lang="es-ES"/>
           </a:p>
         </p:txBody>
       </p:sp>
@@ -1160,7 +1155,6 @@
               <a:rPr lang="es-ES"/>
               <a:t>Quinto nivel</a:t>
             </a:r>
-            <a:endParaRPr lang="es-ES"/>
           </a:p>
         </p:txBody>
       </p:sp>
@@ -1217,7 +1211,6 @@
               <a:rPr lang="es-ES"/>
               <a:t>Quinto nivel</a:t>
             </a:r>
-            <a:endParaRPr lang="es-ES"/>
           </a:p>
         </p:txBody>
       </p:sp>
@@ -1340,7 +1333,6 @@
               <a:rPr lang="es-ES"/>
               <a:t>Haga clic para modificar el estilo de título del patrón</a:t>
             </a:r>
-            <a:endParaRPr lang="es-ES"/>
           </a:p>
         </p:txBody>
       </p:sp>
@@ -1462,7 +1454,6 @@
               <a:rPr lang="es-ES"/>
               <a:t>Quinto nivel</a:t>
             </a:r>
-            <a:endParaRPr lang="es-ES"/>
           </a:p>
         </p:txBody>
       </p:sp>
@@ -1584,7 +1575,6 @@
               <a:rPr lang="es-ES"/>
               <a:t>Quinto nivel</a:t>
             </a:r>
-            <a:endParaRPr lang="es-ES"/>
           </a:p>
         </p:txBody>
       </p:sp>
@@ -1702,7 +1692,6 @@
               <a:rPr lang="es-ES"/>
               <a:t>Haga clic para modificar el estilo de título del patrón</a:t>
             </a:r>
-            <a:endParaRPr lang="es-ES"/>
           </a:p>
         </p:txBody>
       </p:sp>
@@ -1924,7 +1913,6 @@
               <a:rPr lang="es-ES"/>
               <a:t>Haga clic para modificar el estilo de título del patrón</a:t>
             </a:r>
-            <a:endParaRPr lang="es-ES"/>
           </a:p>
         </p:txBody>
       </p:sp>
@@ -2009,7 +1997,6 @@
               <a:rPr lang="es-ES"/>
               <a:t>Quinto nivel</a:t>
             </a:r>
-            <a:endParaRPr lang="es-ES"/>
           </a:p>
         </p:txBody>
       </p:sp>
@@ -2201,7 +2188,6 @@
               <a:rPr lang="es-ES"/>
               <a:t>Haga clic para modificar el estilo de título del patrón</a:t>
             </a:r>
-            <a:endParaRPr lang="es-ES"/>
           </a:p>
         </p:txBody>
       </p:sp>
@@ -2460,7 +2446,6 @@
               <a:rPr lang="es-ES"/>
               <a:t>Haga clic para modificar el estilo de título del patrón</a:t>
             </a:r>
-            <a:endParaRPr lang="es-ES"/>
           </a:p>
         </p:txBody>
       </p:sp>
@@ -2522,7 +2507,6 @@
               <a:rPr lang="es-ES"/>
               <a:t>Quinto nivel</a:t>
             </a:r>
-            <a:endParaRPr lang="es-ES"/>
           </a:p>
         </p:txBody>
       </p:sp>
@@ -3674,13 +3658,62 @@
           <a:p>
             <a:r>
               <a:rPr lang="es-ES" sz="2000" dirty="0"/>
-              <a:t>Nuestro objetivo será predecir si la bolsa subirá o bajará al día siguiente.</a:t>
+              <a:t>Nuestro objetivo será estudiar la posibilidad de predecir si la bolsa subirá o bajará al día siguiente</a:t>
+            </a:r>
+          </a:p>
+          <a:p>
+            <a:pPr lvl="1"/>
+            <a:r>
+              <a:rPr lang="es-ES" sz="1600" dirty="0"/>
+              <a:t>Ibex 35</a:t>
+            </a:r>
+          </a:p>
+          <a:p>
+            <a:pPr lvl="1"/>
+            <a:r>
+              <a:rPr lang="es-ES" sz="1600" dirty="0"/>
+              <a:t>Objetivo complicado, pero con grandes recompensas</a:t>
             </a:r>
           </a:p>
           <a:p>
             <a:r>
               <a:rPr lang="es-ES" sz="2000" dirty="0"/>
-              <a:t>En Python con…</a:t>
+              <a:t>En Python, con la plataforma Anaconda</a:t>
+            </a:r>
+          </a:p>
+          <a:p>
+            <a:pPr lvl="1"/>
+            <a:r>
+              <a:rPr lang="es-ES" sz="1600" dirty="0"/>
+              <a:t>Distribución de Python</a:t>
+            </a:r>
+          </a:p>
+          <a:p>
+            <a:pPr lvl="1"/>
+            <a:r>
+              <a:rPr lang="es-ES" sz="1600" dirty="0"/>
+              <a:t>Librerías de análisis y obtención de datos</a:t>
+            </a:r>
+          </a:p>
+          <a:p>
+            <a:r>
+              <a:rPr lang="es-ES" sz="2000" dirty="0"/>
+              <a:t>Los datos serán posteriormente </a:t>
+            </a:r>
+            <a:r>
+              <a:rPr lang="es-ES" sz="2000" dirty="0" err="1"/>
+              <a:t>preprocesados</a:t>
+            </a:r>
+            <a:r>
+              <a:rPr lang="es-ES" sz="2000" dirty="0"/>
+              <a:t> y estudiados por nosotros.</a:t>
+            </a:r>
+          </a:p>
+          <a:p>
+            <a:pPr lvl="1"/>
+            <a:r>
+              <a:rPr lang="es-ES" sz="1600" dirty="0"/>
+              <a:t>Redes de neuronas artificiales</a:t>
             </a:r>
           </a:p>
         </p:txBody>

--- a/presentacion.pptx
+++ b/presentacion.pptx
@@ -3,11 +3,13 @@
 <p:presentation xmlns:a="http://schemas.openxmlformats.org/drawingml/2006/main" xmlns:r="http://schemas.openxmlformats.org/officeDocument/2006/relationships" xmlns:p="http://schemas.openxmlformats.org/presentationml/2006/main" saveSubsetFonts="1">
   <p:sldMasterIdLst>
     <p:sldMasterId id="2147483648" r:id="rId1"/>
+    <p:sldMasterId id="2147483660" r:id="rId2"/>
   </p:sldMasterIdLst>
   <p:sldIdLst>
-    <p:sldId id="256" r:id="rId2"/>
-    <p:sldId id="257" r:id="rId3"/>
-    <p:sldId id="258" r:id="rId4"/>
+    <p:sldId id="256" r:id="rId3"/>
+    <p:sldId id="257" r:id="rId4"/>
+    <p:sldId id="258" r:id="rId5"/>
+    <p:sldId id="260" r:id="rId6"/>
   </p:sldIdLst>
   <p:sldSz cx="12192000" cy="6858000"/>
   <p:notesSz cx="6858000" cy="9144000"/>
@@ -108,7 +110,7 @@
   </p:defaultTextStyle>
   <p:extLst>
     <p:ext uri="{EFAFB233-063F-42B5-8137-9DF3F51BA10A}">
-      <p15:sldGuideLst xmlns:p15="http://schemas.microsoft.com/office/powerpoint/2012/main"/>
+      <p15:sldGuideLst xmlns:p15="http://schemas.microsoft.com/office/powerpoint/2012/main" xmlns=""/>
     </p:ext>
   </p:extLst>
 </p:presentation>
@@ -650,6 +652,1945 @@
 </p:sldLayout>
 </file>
 
+<file path=ppt/slideLayouts/slideLayout12.xml><?xml version="1.0" encoding="utf-8"?>
+<p:sldLayout xmlns:a="http://schemas.openxmlformats.org/drawingml/2006/main" xmlns:r="http://schemas.openxmlformats.org/officeDocument/2006/relationships" xmlns:p="http://schemas.openxmlformats.org/presentationml/2006/main" type="title" preserve="1">
+  <p:cSld name="Diapositiva de título">
+    <p:spTree>
+      <p:nvGrpSpPr>
+        <p:cNvPr id="1" name=""/>
+        <p:cNvGrpSpPr/>
+        <p:nvPr/>
+      </p:nvGrpSpPr>
+      <p:grpSpPr>
+        <a:xfrm>
+          <a:off x="0" y="0"/>
+          <a:ext cx="0" cy="0"/>
+          <a:chOff x="0" y="0"/>
+          <a:chExt cx="0" cy="0"/>
+        </a:xfrm>
+      </p:grpSpPr>
+      <p:sp>
+        <p:nvSpPr>
+          <p:cNvPr id="2" name="Título 1"/>
+          <p:cNvSpPr>
+            <a:spLocks noGrp="1"/>
+          </p:cNvSpPr>
+          <p:nvPr>
+            <p:ph type="ctrTitle"/>
+          </p:nvPr>
+        </p:nvSpPr>
+        <p:spPr>
+          <a:xfrm>
+            <a:off x="1524000" y="1122363"/>
+            <a:ext cx="9144000" cy="2387600"/>
+          </a:xfrm>
+        </p:spPr>
+        <p:txBody>
+          <a:bodyPr anchor="b"/>
+          <a:lstStyle>
+            <a:lvl1pPr algn="ctr">
+              <a:defRPr sz="6000"/>
+            </a:lvl1pPr>
+          </a:lstStyle>
+          <a:p>
+            <a:r>
+              <a:rPr lang="es-ES"/>
+              <a:t>Haga clic para modificar el estilo de título del patrón</a:t>
+            </a:r>
+          </a:p>
+        </p:txBody>
+      </p:sp>
+      <p:sp>
+        <p:nvSpPr>
+          <p:cNvPr id="3" name="Subtítulo 2"/>
+          <p:cNvSpPr>
+            <a:spLocks noGrp="1"/>
+          </p:cNvSpPr>
+          <p:nvPr>
+            <p:ph type="subTitle" idx="1"/>
+          </p:nvPr>
+        </p:nvSpPr>
+        <p:spPr>
+          <a:xfrm>
+            <a:off x="1524000" y="3602038"/>
+            <a:ext cx="9144000" cy="1655762"/>
+          </a:xfrm>
+        </p:spPr>
+        <p:txBody>
+          <a:bodyPr/>
+          <a:lstStyle>
+            <a:lvl1pPr marL="0" indent="0" algn="ctr">
+              <a:buNone/>
+              <a:defRPr sz="2400"/>
+            </a:lvl1pPr>
+            <a:lvl2pPr marL="457200" indent="0" algn="ctr">
+              <a:buNone/>
+              <a:defRPr sz="2000"/>
+            </a:lvl2pPr>
+            <a:lvl3pPr marL="914400" indent="0" algn="ctr">
+              <a:buNone/>
+              <a:defRPr sz="1800"/>
+            </a:lvl3pPr>
+            <a:lvl4pPr marL="1371600" indent="0" algn="ctr">
+              <a:buNone/>
+              <a:defRPr sz="1600"/>
+            </a:lvl4pPr>
+            <a:lvl5pPr marL="1828800" indent="0" algn="ctr">
+              <a:buNone/>
+              <a:defRPr sz="1600"/>
+            </a:lvl5pPr>
+            <a:lvl6pPr marL="2286000" indent="0" algn="ctr">
+              <a:buNone/>
+              <a:defRPr sz="1600"/>
+            </a:lvl6pPr>
+            <a:lvl7pPr marL="2743200" indent="0" algn="ctr">
+              <a:buNone/>
+              <a:defRPr sz="1600"/>
+            </a:lvl7pPr>
+            <a:lvl8pPr marL="3200400" indent="0" algn="ctr">
+              <a:buNone/>
+              <a:defRPr sz="1600"/>
+            </a:lvl8pPr>
+            <a:lvl9pPr marL="3657600" indent="0" algn="ctr">
+              <a:buNone/>
+              <a:defRPr sz="1600"/>
+            </a:lvl9pPr>
+          </a:lstStyle>
+          <a:p>
+            <a:r>
+              <a:rPr lang="es-ES"/>
+              <a:t>Haga clic para editar el estilo de subtítulo del patrón</a:t>
+            </a:r>
+          </a:p>
+        </p:txBody>
+      </p:sp>
+      <p:sp>
+        <p:nvSpPr>
+          <p:cNvPr id="4" name="Marcador de fecha 3"/>
+          <p:cNvSpPr>
+            <a:spLocks noGrp="1"/>
+          </p:cNvSpPr>
+          <p:nvPr>
+            <p:ph type="dt" sz="half" idx="10"/>
+          </p:nvPr>
+        </p:nvSpPr>
+        <p:spPr/>
+        <p:txBody>
+          <a:bodyPr/>
+          <a:lstStyle/>
+          <a:p>
+            <a:fld id="{B951A33D-190D-42DB-9BC7-255E6333FEAF}" type="datetimeFigureOut">
+              <a:rPr lang="es-ES" smtClean="0">
+                <a:solidFill>
+                  <a:prstClr val="black">
+                    <a:tint val="75000"/>
+                  </a:prstClr>
+                </a:solidFill>
+              </a:rPr>
+              <a:pPr/>
+              <a:t>25/11/2016</a:t>
+            </a:fld>
+            <a:endParaRPr lang="es-ES">
+              <a:solidFill>
+                <a:prstClr val="black">
+                  <a:tint val="75000"/>
+                </a:prstClr>
+              </a:solidFill>
+            </a:endParaRPr>
+          </a:p>
+        </p:txBody>
+      </p:sp>
+      <p:sp>
+        <p:nvSpPr>
+          <p:cNvPr id="5" name="Marcador de pie de página 4"/>
+          <p:cNvSpPr>
+            <a:spLocks noGrp="1"/>
+          </p:cNvSpPr>
+          <p:nvPr>
+            <p:ph type="ftr" sz="quarter" idx="11"/>
+          </p:nvPr>
+        </p:nvSpPr>
+        <p:spPr/>
+        <p:txBody>
+          <a:bodyPr/>
+          <a:lstStyle/>
+          <a:p>
+            <a:endParaRPr lang="es-ES">
+              <a:solidFill>
+                <a:prstClr val="black">
+                  <a:tint val="75000"/>
+                </a:prstClr>
+              </a:solidFill>
+            </a:endParaRPr>
+          </a:p>
+        </p:txBody>
+      </p:sp>
+      <p:sp>
+        <p:nvSpPr>
+          <p:cNvPr id="6" name="Marcador de número de diapositiva 5"/>
+          <p:cNvSpPr>
+            <a:spLocks noGrp="1"/>
+          </p:cNvSpPr>
+          <p:nvPr>
+            <p:ph type="sldNum" sz="quarter" idx="12"/>
+          </p:nvPr>
+        </p:nvSpPr>
+        <p:spPr/>
+        <p:txBody>
+          <a:bodyPr/>
+          <a:lstStyle/>
+          <a:p>
+            <a:fld id="{99A6B0C4-5637-4DCA-8818-0CDAF03C39DB}" type="slidenum">
+              <a:rPr lang="es-ES" smtClean="0">
+                <a:solidFill>
+                  <a:prstClr val="black">
+                    <a:tint val="75000"/>
+                  </a:prstClr>
+                </a:solidFill>
+              </a:rPr>
+              <a:pPr/>
+              <a:t>‹Nº›</a:t>
+            </a:fld>
+            <a:endParaRPr lang="es-ES">
+              <a:solidFill>
+                <a:prstClr val="black">
+                  <a:tint val="75000"/>
+                </a:prstClr>
+              </a:solidFill>
+            </a:endParaRPr>
+          </a:p>
+        </p:txBody>
+      </p:sp>
+    </p:spTree>
+    <p:extLst>
+      <p:ext uri="{BB962C8B-B14F-4D97-AF65-F5344CB8AC3E}">
+        <p14:creationId xmlns:p14="http://schemas.microsoft.com/office/powerpoint/2010/main" val="3388036691"/>
+      </p:ext>
+    </p:extLst>
+  </p:cSld>
+  <p:clrMapOvr>
+    <a:masterClrMapping/>
+  </p:clrMapOvr>
+</p:sldLayout>
+</file>
+
+<file path=ppt/slideLayouts/slideLayout13.xml><?xml version="1.0" encoding="utf-8"?>
+<p:sldLayout xmlns:a="http://schemas.openxmlformats.org/drawingml/2006/main" xmlns:r="http://schemas.openxmlformats.org/officeDocument/2006/relationships" xmlns:p="http://schemas.openxmlformats.org/presentationml/2006/main" type="obj" preserve="1">
+  <p:cSld name="Título y objetos">
+    <p:spTree>
+      <p:nvGrpSpPr>
+        <p:cNvPr id="1" name=""/>
+        <p:cNvGrpSpPr/>
+        <p:nvPr/>
+      </p:nvGrpSpPr>
+      <p:grpSpPr>
+        <a:xfrm>
+          <a:off x="0" y="0"/>
+          <a:ext cx="0" cy="0"/>
+          <a:chOff x="0" y="0"/>
+          <a:chExt cx="0" cy="0"/>
+        </a:xfrm>
+      </p:grpSpPr>
+      <p:sp>
+        <p:nvSpPr>
+          <p:cNvPr id="2" name="Título 1"/>
+          <p:cNvSpPr>
+            <a:spLocks noGrp="1"/>
+          </p:cNvSpPr>
+          <p:nvPr>
+            <p:ph type="title"/>
+          </p:nvPr>
+        </p:nvSpPr>
+        <p:spPr/>
+        <p:txBody>
+          <a:bodyPr/>
+          <a:lstStyle/>
+          <a:p>
+            <a:r>
+              <a:rPr lang="es-ES"/>
+              <a:t>Haga clic para modificar el estilo de título del patrón</a:t>
+            </a:r>
+          </a:p>
+        </p:txBody>
+      </p:sp>
+      <p:sp>
+        <p:nvSpPr>
+          <p:cNvPr id="3" name="Marcador de contenido 2"/>
+          <p:cNvSpPr>
+            <a:spLocks noGrp="1"/>
+          </p:cNvSpPr>
+          <p:nvPr>
+            <p:ph idx="1"/>
+          </p:nvPr>
+        </p:nvSpPr>
+        <p:spPr/>
+        <p:txBody>
+          <a:bodyPr/>
+          <a:lstStyle/>
+          <a:p>
+            <a:pPr lvl="0"/>
+            <a:r>
+              <a:rPr lang="es-ES"/>
+              <a:t>Editar el estilo de texto del patrón</a:t>
+            </a:r>
+          </a:p>
+          <a:p>
+            <a:pPr lvl="1"/>
+            <a:r>
+              <a:rPr lang="es-ES"/>
+              <a:t>Segundo nivel</a:t>
+            </a:r>
+          </a:p>
+          <a:p>
+            <a:pPr lvl="2"/>
+            <a:r>
+              <a:rPr lang="es-ES"/>
+              <a:t>Tercer nivel</a:t>
+            </a:r>
+          </a:p>
+          <a:p>
+            <a:pPr lvl="3"/>
+            <a:r>
+              <a:rPr lang="es-ES"/>
+              <a:t>Cuarto nivel</a:t>
+            </a:r>
+          </a:p>
+          <a:p>
+            <a:pPr lvl="4"/>
+            <a:r>
+              <a:rPr lang="es-ES"/>
+              <a:t>Quinto nivel</a:t>
+            </a:r>
+          </a:p>
+        </p:txBody>
+      </p:sp>
+      <p:sp>
+        <p:nvSpPr>
+          <p:cNvPr id="4" name="Marcador de fecha 3"/>
+          <p:cNvSpPr>
+            <a:spLocks noGrp="1"/>
+          </p:cNvSpPr>
+          <p:nvPr>
+            <p:ph type="dt" sz="half" idx="10"/>
+          </p:nvPr>
+        </p:nvSpPr>
+        <p:spPr/>
+        <p:txBody>
+          <a:bodyPr/>
+          <a:lstStyle/>
+          <a:p>
+            <a:fld id="{B951A33D-190D-42DB-9BC7-255E6333FEAF}" type="datetimeFigureOut">
+              <a:rPr lang="es-ES" smtClean="0">
+                <a:solidFill>
+                  <a:prstClr val="black">
+                    <a:tint val="75000"/>
+                  </a:prstClr>
+                </a:solidFill>
+              </a:rPr>
+              <a:pPr/>
+              <a:t>25/11/2016</a:t>
+            </a:fld>
+            <a:endParaRPr lang="es-ES">
+              <a:solidFill>
+                <a:prstClr val="black">
+                  <a:tint val="75000"/>
+                </a:prstClr>
+              </a:solidFill>
+            </a:endParaRPr>
+          </a:p>
+        </p:txBody>
+      </p:sp>
+      <p:sp>
+        <p:nvSpPr>
+          <p:cNvPr id="5" name="Marcador de pie de página 4"/>
+          <p:cNvSpPr>
+            <a:spLocks noGrp="1"/>
+          </p:cNvSpPr>
+          <p:nvPr>
+            <p:ph type="ftr" sz="quarter" idx="11"/>
+          </p:nvPr>
+        </p:nvSpPr>
+        <p:spPr/>
+        <p:txBody>
+          <a:bodyPr/>
+          <a:lstStyle/>
+          <a:p>
+            <a:endParaRPr lang="es-ES">
+              <a:solidFill>
+                <a:prstClr val="black">
+                  <a:tint val="75000"/>
+                </a:prstClr>
+              </a:solidFill>
+            </a:endParaRPr>
+          </a:p>
+        </p:txBody>
+      </p:sp>
+      <p:sp>
+        <p:nvSpPr>
+          <p:cNvPr id="6" name="Marcador de número de diapositiva 5"/>
+          <p:cNvSpPr>
+            <a:spLocks noGrp="1"/>
+          </p:cNvSpPr>
+          <p:nvPr>
+            <p:ph type="sldNum" sz="quarter" idx="12"/>
+          </p:nvPr>
+        </p:nvSpPr>
+        <p:spPr/>
+        <p:txBody>
+          <a:bodyPr/>
+          <a:lstStyle/>
+          <a:p>
+            <a:fld id="{99A6B0C4-5637-4DCA-8818-0CDAF03C39DB}" type="slidenum">
+              <a:rPr lang="es-ES" smtClean="0">
+                <a:solidFill>
+                  <a:prstClr val="black">
+                    <a:tint val="75000"/>
+                  </a:prstClr>
+                </a:solidFill>
+              </a:rPr>
+              <a:pPr/>
+              <a:t>‹Nº›</a:t>
+            </a:fld>
+            <a:endParaRPr lang="es-ES">
+              <a:solidFill>
+                <a:prstClr val="black">
+                  <a:tint val="75000"/>
+                </a:prstClr>
+              </a:solidFill>
+            </a:endParaRPr>
+          </a:p>
+        </p:txBody>
+      </p:sp>
+    </p:spTree>
+    <p:extLst>
+      <p:ext uri="{BB962C8B-B14F-4D97-AF65-F5344CB8AC3E}">
+        <p14:creationId xmlns:p14="http://schemas.microsoft.com/office/powerpoint/2010/main" val="4136896566"/>
+      </p:ext>
+    </p:extLst>
+  </p:cSld>
+  <p:clrMapOvr>
+    <a:masterClrMapping/>
+  </p:clrMapOvr>
+</p:sldLayout>
+</file>
+
+<file path=ppt/slideLayouts/slideLayout14.xml><?xml version="1.0" encoding="utf-8"?>
+<p:sldLayout xmlns:a="http://schemas.openxmlformats.org/drawingml/2006/main" xmlns:r="http://schemas.openxmlformats.org/officeDocument/2006/relationships" xmlns:p="http://schemas.openxmlformats.org/presentationml/2006/main" type="secHead" preserve="1">
+  <p:cSld name="Encabezado de sección">
+    <p:spTree>
+      <p:nvGrpSpPr>
+        <p:cNvPr id="1" name=""/>
+        <p:cNvGrpSpPr/>
+        <p:nvPr/>
+      </p:nvGrpSpPr>
+      <p:grpSpPr>
+        <a:xfrm>
+          <a:off x="0" y="0"/>
+          <a:ext cx="0" cy="0"/>
+          <a:chOff x="0" y="0"/>
+          <a:chExt cx="0" cy="0"/>
+        </a:xfrm>
+      </p:grpSpPr>
+      <p:sp>
+        <p:nvSpPr>
+          <p:cNvPr id="2" name="Título 1"/>
+          <p:cNvSpPr>
+            <a:spLocks noGrp="1"/>
+          </p:cNvSpPr>
+          <p:nvPr>
+            <p:ph type="title"/>
+          </p:nvPr>
+        </p:nvSpPr>
+        <p:spPr>
+          <a:xfrm>
+            <a:off x="831850" y="1709738"/>
+            <a:ext cx="10515600" cy="2852737"/>
+          </a:xfrm>
+        </p:spPr>
+        <p:txBody>
+          <a:bodyPr anchor="b"/>
+          <a:lstStyle>
+            <a:lvl1pPr>
+              <a:defRPr sz="6000"/>
+            </a:lvl1pPr>
+          </a:lstStyle>
+          <a:p>
+            <a:r>
+              <a:rPr lang="es-ES"/>
+              <a:t>Haga clic para modificar el estilo de título del patrón</a:t>
+            </a:r>
+          </a:p>
+        </p:txBody>
+      </p:sp>
+      <p:sp>
+        <p:nvSpPr>
+          <p:cNvPr id="3" name="Marcador de texto 2"/>
+          <p:cNvSpPr>
+            <a:spLocks noGrp="1"/>
+          </p:cNvSpPr>
+          <p:nvPr>
+            <p:ph type="body" idx="1"/>
+          </p:nvPr>
+        </p:nvSpPr>
+        <p:spPr>
+          <a:xfrm>
+            <a:off x="831850" y="4589463"/>
+            <a:ext cx="10515600" cy="1500187"/>
+          </a:xfrm>
+        </p:spPr>
+        <p:txBody>
+          <a:bodyPr/>
+          <a:lstStyle>
+            <a:lvl1pPr marL="0" indent="0">
+              <a:buNone/>
+              <a:defRPr sz="2400">
+                <a:solidFill>
+                  <a:schemeClr val="tx1">
+                    <a:tint val="75000"/>
+                  </a:schemeClr>
+                </a:solidFill>
+              </a:defRPr>
+            </a:lvl1pPr>
+            <a:lvl2pPr marL="457200" indent="0">
+              <a:buNone/>
+              <a:defRPr sz="2000">
+                <a:solidFill>
+                  <a:schemeClr val="tx1">
+                    <a:tint val="75000"/>
+                  </a:schemeClr>
+                </a:solidFill>
+              </a:defRPr>
+            </a:lvl2pPr>
+            <a:lvl3pPr marL="914400" indent="0">
+              <a:buNone/>
+              <a:defRPr sz="1800">
+                <a:solidFill>
+                  <a:schemeClr val="tx1">
+                    <a:tint val="75000"/>
+                  </a:schemeClr>
+                </a:solidFill>
+              </a:defRPr>
+            </a:lvl3pPr>
+            <a:lvl4pPr marL="1371600" indent="0">
+              <a:buNone/>
+              <a:defRPr sz="1600">
+                <a:solidFill>
+                  <a:schemeClr val="tx1">
+                    <a:tint val="75000"/>
+                  </a:schemeClr>
+                </a:solidFill>
+              </a:defRPr>
+            </a:lvl4pPr>
+            <a:lvl5pPr marL="1828800" indent="0">
+              <a:buNone/>
+              <a:defRPr sz="1600">
+                <a:solidFill>
+                  <a:schemeClr val="tx1">
+                    <a:tint val="75000"/>
+                  </a:schemeClr>
+                </a:solidFill>
+              </a:defRPr>
+            </a:lvl5pPr>
+            <a:lvl6pPr marL="2286000" indent="0">
+              <a:buNone/>
+              <a:defRPr sz="1600">
+                <a:solidFill>
+                  <a:schemeClr val="tx1">
+                    <a:tint val="75000"/>
+                  </a:schemeClr>
+                </a:solidFill>
+              </a:defRPr>
+            </a:lvl6pPr>
+            <a:lvl7pPr marL="2743200" indent="0">
+              <a:buNone/>
+              <a:defRPr sz="1600">
+                <a:solidFill>
+                  <a:schemeClr val="tx1">
+                    <a:tint val="75000"/>
+                  </a:schemeClr>
+                </a:solidFill>
+              </a:defRPr>
+            </a:lvl7pPr>
+            <a:lvl8pPr marL="3200400" indent="0">
+              <a:buNone/>
+              <a:defRPr sz="1600">
+                <a:solidFill>
+                  <a:schemeClr val="tx1">
+                    <a:tint val="75000"/>
+                  </a:schemeClr>
+                </a:solidFill>
+              </a:defRPr>
+            </a:lvl8pPr>
+            <a:lvl9pPr marL="3657600" indent="0">
+              <a:buNone/>
+              <a:defRPr sz="1600">
+                <a:solidFill>
+                  <a:schemeClr val="tx1">
+                    <a:tint val="75000"/>
+                  </a:schemeClr>
+                </a:solidFill>
+              </a:defRPr>
+            </a:lvl9pPr>
+          </a:lstStyle>
+          <a:p>
+            <a:pPr lvl="0"/>
+            <a:r>
+              <a:rPr lang="es-ES"/>
+              <a:t>Editar el estilo de texto del patrón</a:t>
+            </a:r>
+          </a:p>
+        </p:txBody>
+      </p:sp>
+      <p:sp>
+        <p:nvSpPr>
+          <p:cNvPr id="4" name="Marcador de fecha 3"/>
+          <p:cNvSpPr>
+            <a:spLocks noGrp="1"/>
+          </p:cNvSpPr>
+          <p:nvPr>
+            <p:ph type="dt" sz="half" idx="10"/>
+          </p:nvPr>
+        </p:nvSpPr>
+        <p:spPr/>
+        <p:txBody>
+          <a:bodyPr/>
+          <a:lstStyle/>
+          <a:p>
+            <a:fld id="{B951A33D-190D-42DB-9BC7-255E6333FEAF}" type="datetimeFigureOut">
+              <a:rPr lang="es-ES" smtClean="0">
+                <a:solidFill>
+                  <a:prstClr val="black">
+                    <a:tint val="75000"/>
+                  </a:prstClr>
+                </a:solidFill>
+              </a:rPr>
+              <a:pPr/>
+              <a:t>25/11/2016</a:t>
+            </a:fld>
+            <a:endParaRPr lang="es-ES">
+              <a:solidFill>
+                <a:prstClr val="black">
+                  <a:tint val="75000"/>
+                </a:prstClr>
+              </a:solidFill>
+            </a:endParaRPr>
+          </a:p>
+        </p:txBody>
+      </p:sp>
+      <p:sp>
+        <p:nvSpPr>
+          <p:cNvPr id="5" name="Marcador de pie de página 4"/>
+          <p:cNvSpPr>
+            <a:spLocks noGrp="1"/>
+          </p:cNvSpPr>
+          <p:nvPr>
+            <p:ph type="ftr" sz="quarter" idx="11"/>
+          </p:nvPr>
+        </p:nvSpPr>
+        <p:spPr/>
+        <p:txBody>
+          <a:bodyPr/>
+          <a:lstStyle/>
+          <a:p>
+            <a:endParaRPr lang="es-ES">
+              <a:solidFill>
+                <a:prstClr val="black">
+                  <a:tint val="75000"/>
+                </a:prstClr>
+              </a:solidFill>
+            </a:endParaRPr>
+          </a:p>
+        </p:txBody>
+      </p:sp>
+      <p:sp>
+        <p:nvSpPr>
+          <p:cNvPr id="6" name="Marcador de número de diapositiva 5"/>
+          <p:cNvSpPr>
+            <a:spLocks noGrp="1"/>
+          </p:cNvSpPr>
+          <p:nvPr>
+            <p:ph type="sldNum" sz="quarter" idx="12"/>
+          </p:nvPr>
+        </p:nvSpPr>
+        <p:spPr/>
+        <p:txBody>
+          <a:bodyPr/>
+          <a:lstStyle/>
+          <a:p>
+            <a:fld id="{99A6B0C4-5637-4DCA-8818-0CDAF03C39DB}" type="slidenum">
+              <a:rPr lang="es-ES" smtClean="0">
+                <a:solidFill>
+                  <a:prstClr val="black">
+                    <a:tint val="75000"/>
+                  </a:prstClr>
+                </a:solidFill>
+              </a:rPr>
+              <a:pPr/>
+              <a:t>‹Nº›</a:t>
+            </a:fld>
+            <a:endParaRPr lang="es-ES">
+              <a:solidFill>
+                <a:prstClr val="black">
+                  <a:tint val="75000"/>
+                </a:prstClr>
+              </a:solidFill>
+            </a:endParaRPr>
+          </a:p>
+        </p:txBody>
+      </p:sp>
+    </p:spTree>
+    <p:extLst>
+      <p:ext uri="{BB962C8B-B14F-4D97-AF65-F5344CB8AC3E}">
+        <p14:creationId xmlns:p14="http://schemas.microsoft.com/office/powerpoint/2010/main" val="860737428"/>
+      </p:ext>
+    </p:extLst>
+  </p:cSld>
+  <p:clrMapOvr>
+    <a:masterClrMapping/>
+  </p:clrMapOvr>
+</p:sldLayout>
+</file>
+
+<file path=ppt/slideLayouts/slideLayout15.xml><?xml version="1.0" encoding="utf-8"?>
+<p:sldLayout xmlns:a="http://schemas.openxmlformats.org/drawingml/2006/main" xmlns:r="http://schemas.openxmlformats.org/officeDocument/2006/relationships" xmlns:p="http://schemas.openxmlformats.org/presentationml/2006/main" type="twoObj" preserve="1">
+  <p:cSld name="Dos objetos">
+    <p:spTree>
+      <p:nvGrpSpPr>
+        <p:cNvPr id="1" name=""/>
+        <p:cNvGrpSpPr/>
+        <p:nvPr/>
+      </p:nvGrpSpPr>
+      <p:grpSpPr>
+        <a:xfrm>
+          <a:off x="0" y="0"/>
+          <a:ext cx="0" cy="0"/>
+          <a:chOff x="0" y="0"/>
+          <a:chExt cx="0" cy="0"/>
+        </a:xfrm>
+      </p:grpSpPr>
+      <p:sp>
+        <p:nvSpPr>
+          <p:cNvPr id="2" name="Título 1"/>
+          <p:cNvSpPr>
+            <a:spLocks noGrp="1"/>
+          </p:cNvSpPr>
+          <p:nvPr>
+            <p:ph type="title"/>
+          </p:nvPr>
+        </p:nvSpPr>
+        <p:spPr/>
+        <p:txBody>
+          <a:bodyPr/>
+          <a:lstStyle/>
+          <a:p>
+            <a:r>
+              <a:rPr lang="es-ES"/>
+              <a:t>Haga clic para modificar el estilo de título del patrón</a:t>
+            </a:r>
+          </a:p>
+        </p:txBody>
+      </p:sp>
+      <p:sp>
+        <p:nvSpPr>
+          <p:cNvPr id="3" name="Marcador de contenido 2"/>
+          <p:cNvSpPr>
+            <a:spLocks noGrp="1"/>
+          </p:cNvSpPr>
+          <p:nvPr>
+            <p:ph sz="half" idx="1"/>
+          </p:nvPr>
+        </p:nvSpPr>
+        <p:spPr>
+          <a:xfrm>
+            <a:off x="838200" y="1825625"/>
+            <a:ext cx="5181600" cy="4351338"/>
+          </a:xfrm>
+        </p:spPr>
+        <p:txBody>
+          <a:bodyPr/>
+          <a:lstStyle/>
+          <a:p>
+            <a:pPr lvl="0"/>
+            <a:r>
+              <a:rPr lang="es-ES"/>
+              <a:t>Editar el estilo de texto del patrón</a:t>
+            </a:r>
+          </a:p>
+          <a:p>
+            <a:pPr lvl="1"/>
+            <a:r>
+              <a:rPr lang="es-ES"/>
+              <a:t>Segundo nivel</a:t>
+            </a:r>
+          </a:p>
+          <a:p>
+            <a:pPr lvl="2"/>
+            <a:r>
+              <a:rPr lang="es-ES"/>
+              <a:t>Tercer nivel</a:t>
+            </a:r>
+          </a:p>
+          <a:p>
+            <a:pPr lvl="3"/>
+            <a:r>
+              <a:rPr lang="es-ES"/>
+              <a:t>Cuarto nivel</a:t>
+            </a:r>
+          </a:p>
+          <a:p>
+            <a:pPr lvl="4"/>
+            <a:r>
+              <a:rPr lang="es-ES"/>
+              <a:t>Quinto nivel</a:t>
+            </a:r>
+          </a:p>
+        </p:txBody>
+      </p:sp>
+      <p:sp>
+        <p:nvSpPr>
+          <p:cNvPr id="4" name="Marcador de contenido 3"/>
+          <p:cNvSpPr>
+            <a:spLocks noGrp="1"/>
+          </p:cNvSpPr>
+          <p:nvPr>
+            <p:ph sz="half" idx="2"/>
+          </p:nvPr>
+        </p:nvSpPr>
+        <p:spPr>
+          <a:xfrm>
+            <a:off x="6172200" y="1825625"/>
+            <a:ext cx="5181600" cy="4351338"/>
+          </a:xfrm>
+        </p:spPr>
+        <p:txBody>
+          <a:bodyPr/>
+          <a:lstStyle/>
+          <a:p>
+            <a:pPr lvl="0"/>
+            <a:r>
+              <a:rPr lang="es-ES"/>
+              <a:t>Editar el estilo de texto del patrón</a:t>
+            </a:r>
+          </a:p>
+          <a:p>
+            <a:pPr lvl="1"/>
+            <a:r>
+              <a:rPr lang="es-ES"/>
+              <a:t>Segundo nivel</a:t>
+            </a:r>
+          </a:p>
+          <a:p>
+            <a:pPr lvl="2"/>
+            <a:r>
+              <a:rPr lang="es-ES"/>
+              <a:t>Tercer nivel</a:t>
+            </a:r>
+          </a:p>
+          <a:p>
+            <a:pPr lvl="3"/>
+            <a:r>
+              <a:rPr lang="es-ES"/>
+              <a:t>Cuarto nivel</a:t>
+            </a:r>
+          </a:p>
+          <a:p>
+            <a:pPr lvl="4"/>
+            <a:r>
+              <a:rPr lang="es-ES"/>
+              <a:t>Quinto nivel</a:t>
+            </a:r>
+          </a:p>
+        </p:txBody>
+      </p:sp>
+      <p:sp>
+        <p:nvSpPr>
+          <p:cNvPr id="5" name="Marcador de fecha 4"/>
+          <p:cNvSpPr>
+            <a:spLocks noGrp="1"/>
+          </p:cNvSpPr>
+          <p:nvPr>
+            <p:ph type="dt" sz="half" idx="10"/>
+          </p:nvPr>
+        </p:nvSpPr>
+        <p:spPr/>
+        <p:txBody>
+          <a:bodyPr/>
+          <a:lstStyle/>
+          <a:p>
+            <a:fld id="{B951A33D-190D-42DB-9BC7-255E6333FEAF}" type="datetimeFigureOut">
+              <a:rPr lang="es-ES" smtClean="0">
+                <a:solidFill>
+                  <a:prstClr val="black">
+                    <a:tint val="75000"/>
+                  </a:prstClr>
+                </a:solidFill>
+              </a:rPr>
+              <a:pPr/>
+              <a:t>25/11/2016</a:t>
+            </a:fld>
+            <a:endParaRPr lang="es-ES">
+              <a:solidFill>
+                <a:prstClr val="black">
+                  <a:tint val="75000"/>
+                </a:prstClr>
+              </a:solidFill>
+            </a:endParaRPr>
+          </a:p>
+        </p:txBody>
+      </p:sp>
+      <p:sp>
+        <p:nvSpPr>
+          <p:cNvPr id="6" name="Marcador de pie de página 5"/>
+          <p:cNvSpPr>
+            <a:spLocks noGrp="1"/>
+          </p:cNvSpPr>
+          <p:nvPr>
+            <p:ph type="ftr" sz="quarter" idx="11"/>
+          </p:nvPr>
+        </p:nvSpPr>
+        <p:spPr/>
+        <p:txBody>
+          <a:bodyPr/>
+          <a:lstStyle/>
+          <a:p>
+            <a:endParaRPr lang="es-ES">
+              <a:solidFill>
+                <a:prstClr val="black">
+                  <a:tint val="75000"/>
+                </a:prstClr>
+              </a:solidFill>
+            </a:endParaRPr>
+          </a:p>
+        </p:txBody>
+      </p:sp>
+      <p:sp>
+        <p:nvSpPr>
+          <p:cNvPr id="7" name="Marcador de número de diapositiva 6"/>
+          <p:cNvSpPr>
+            <a:spLocks noGrp="1"/>
+          </p:cNvSpPr>
+          <p:nvPr>
+            <p:ph type="sldNum" sz="quarter" idx="12"/>
+          </p:nvPr>
+        </p:nvSpPr>
+        <p:spPr/>
+        <p:txBody>
+          <a:bodyPr/>
+          <a:lstStyle/>
+          <a:p>
+            <a:fld id="{99A6B0C4-5637-4DCA-8818-0CDAF03C39DB}" type="slidenum">
+              <a:rPr lang="es-ES" smtClean="0">
+                <a:solidFill>
+                  <a:prstClr val="black">
+                    <a:tint val="75000"/>
+                  </a:prstClr>
+                </a:solidFill>
+              </a:rPr>
+              <a:pPr/>
+              <a:t>‹Nº›</a:t>
+            </a:fld>
+            <a:endParaRPr lang="es-ES">
+              <a:solidFill>
+                <a:prstClr val="black">
+                  <a:tint val="75000"/>
+                </a:prstClr>
+              </a:solidFill>
+            </a:endParaRPr>
+          </a:p>
+        </p:txBody>
+      </p:sp>
+    </p:spTree>
+    <p:extLst>
+      <p:ext uri="{BB962C8B-B14F-4D97-AF65-F5344CB8AC3E}">
+        <p14:creationId xmlns:p14="http://schemas.microsoft.com/office/powerpoint/2010/main" val="1210737500"/>
+      </p:ext>
+    </p:extLst>
+  </p:cSld>
+  <p:clrMapOvr>
+    <a:masterClrMapping/>
+  </p:clrMapOvr>
+</p:sldLayout>
+</file>
+
+<file path=ppt/slideLayouts/slideLayout16.xml><?xml version="1.0" encoding="utf-8"?>
+<p:sldLayout xmlns:a="http://schemas.openxmlformats.org/drawingml/2006/main" xmlns:r="http://schemas.openxmlformats.org/officeDocument/2006/relationships" xmlns:p="http://schemas.openxmlformats.org/presentationml/2006/main" type="twoTxTwoObj" preserve="1">
+  <p:cSld name="Comparación">
+    <p:spTree>
+      <p:nvGrpSpPr>
+        <p:cNvPr id="1" name=""/>
+        <p:cNvGrpSpPr/>
+        <p:nvPr/>
+      </p:nvGrpSpPr>
+      <p:grpSpPr>
+        <a:xfrm>
+          <a:off x="0" y="0"/>
+          <a:ext cx="0" cy="0"/>
+          <a:chOff x="0" y="0"/>
+          <a:chExt cx="0" cy="0"/>
+        </a:xfrm>
+      </p:grpSpPr>
+      <p:sp>
+        <p:nvSpPr>
+          <p:cNvPr id="2" name="Título 1"/>
+          <p:cNvSpPr>
+            <a:spLocks noGrp="1"/>
+          </p:cNvSpPr>
+          <p:nvPr>
+            <p:ph type="title"/>
+          </p:nvPr>
+        </p:nvSpPr>
+        <p:spPr>
+          <a:xfrm>
+            <a:off x="839788" y="365125"/>
+            <a:ext cx="10515600" cy="1325563"/>
+          </a:xfrm>
+        </p:spPr>
+        <p:txBody>
+          <a:bodyPr/>
+          <a:lstStyle/>
+          <a:p>
+            <a:r>
+              <a:rPr lang="es-ES"/>
+              <a:t>Haga clic para modificar el estilo de título del patrón</a:t>
+            </a:r>
+          </a:p>
+        </p:txBody>
+      </p:sp>
+      <p:sp>
+        <p:nvSpPr>
+          <p:cNvPr id="3" name="Marcador de texto 2"/>
+          <p:cNvSpPr>
+            <a:spLocks noGrp="1"/>
+          </p:cNvSpPr>
+          <p:nvPr>
+            <p:ph type="body" idx="1"/>
+          </p:nvPr>
+        </p:nvSpPr>
+        <p:spPr>
+          <a:xfrm>
+            <a:off x="839788" y="1681163"/>
+            <a:ext cx="5157787" cy="823912"/>
+          </a:xfrm>
+        </p:spPr>
+        <p:txBody>
+          <a:bodyPr anchor="b"/>
+          <a:lstStyle>
+            <a:lvl1pPr marL="0" indent="0">
+              <a:buNone/>
+              <a:defRPr sz="2400" b="1"/>
+            </a:lvl1pPr>
+            <a:lvl2pPr marL="457200" indent="0">
+              <a:buNone/>
+              <a:defRPr sz="2000" b="1"/>
+            </a:lvl2pPr>
+            <a:lvl3pPr marL="914400" indent="0">
+              <a:buNone/>
+              <a:defRPr sz="1800" b="1"/>
+            </a:lvl3pPr>
+            <a:lvl4pPr marL="1371600" indent="0">
+              <a:buNone/>
+              <a:defRPr sz="1600" b="1"/>
+            </a:lvl4pPr>
+            <a:lvl5pPr marL="1828800" indent="0">
+              <a:buNone/>
+              <a:defRPr sz="1600" b="1"/>
+            </a:lvl5pPr>
+            <a:lvl6pPr marL="2286000" indent="0">
+              <a:buNone/>
+              <a:defRPr sz="1600" b="1"/>
+            </a:lvl6pPr>
+            <a:lvl7pPr marL="2743200" indent="0">
+              <a:buNone/>
+              <a:defRPr sz="1600" b="1"/>
+            </a:lvl7pPr>
+            <a:lvl8pPr marL="3200400" indent="0">
+              <a:buNone/>
+              <a:defRPr sz="1600" b="1"/>
+            </a:lvl8pPr>
+            <a:lvl9pPr marL="3657600" indent="0">
+              <a:buNone/>
+              <a:defRPr sz="1600" b="1"/>
+            </a:lvl9pPr>
+          </a:lstStyle>
+          <a:p>
+            <a:pPr lvl="0"/>
+            <a:r>
+              <a:rPr lang="es-ES"/>
+              <a:t>Editar el estilo de texto del patrón</a:t>
+            </a:r>
+          </a:p>
+        </p:txBody>
+      </p:sp>
+      <p:sp>
+        <p:nvSpPr>
+          <p:cNvPr id="4" name="Marcador de contenido 3"/>
+          <p:cNvSpPr>
+            <a:spLocks noGrp="1"/>
+          </p:cNvSpPr>
+          <p:nvPr>
+            <p:ph sz="half" idx="2"/>
+          </p:nvPr>
+        </p:nvSpPr>
+        <p:spPr>
+          <a:xfrm>
+            <a:off x="839788" y="2505075"/>
+            <a:ext cx="5157787" cy="3684588"/>
+          </a:xfrm>
+        </p:spPr>
+        <p:txBody>
+          <a:bodyPr/>
+          <a:lstStyle/>
+          <a:p>
+            <a:pPr lvl="0"/>
+            <a:r>
+              <a:rPr lang="es-ES"/>
+              <a:t>Editar el estilo de texto del patrón</a:t>
+            </a:r>
+          </a:p>
+          <a:p>
+            <a:pPr lvl="1"/>
+            <a:r>
+              <a:rPr lang="es-ES"/>
+              <a:t>Segundo nivel</a:t>
+            </a:r>
+          </a:p>
+          <a:p>
+            <a:pPr lvl="2"/>
+            <a:r>
+              <a:rPr lang="es-ES"/>
+              <a:t>Tercer nivel</a:t>
+            </a:r>
+          </a:p>
+          <a:p>
+            <a:pPr lvl="3"/>
+            <a:r>
+              <a:rPr lang="es-ES"/>
+              <a:t>Cuarto nivel</a:t>
+            </a:r>
+          </a:p>
+          <a:p>
+            <a:pPr lvl="4"/>
+            <a:r>
+              <a:rPr lang="es-ES"/>
+              <a:t>Quinto nivel</a:t>
+            </a:r>
+          </a:p>
+        </p:txBody>
+      </p:sp>
+      <p:sp>
+        <p:nvSpPr>
+          <p:cNvPr id="5" name="Marcador de texto 4"/>
+          <p:cNvSpPr>
+            <a:spLocks noGrp="1"/>
+          </p:cNvSpPr>
+          <p:nvPr>
+            <p:ph type="body" sz="quarter" idx="3"/>
+          </p:nvPr>
+        </p:nvSpPr>
+        <p:spPr>
+          <a:xfrm>
+            <a:off x="6172200" y="1681163"/>
+            <a:ext cx="5183188" cy="823912"/>
+          </a:xfrm>
+        </p:spPr>
+        <p:txBody>
+          <a:bodyPr anchor="b"/>
+          <a:lstStyle>
+            <a:lvl1pPr marL="0" indent="0">
+              <a:buNone/>
+              <a:defRPr sz="2400" b="1"/>
+            </a:lvl1pPr>
+            <a:lvl2pPr marL="457200" indent="0">
+              <a:buNone/>
+              <a:defRPr sz="2000" b="1"/>
+            </a:lvl2pPr>
+            <a:lvl3pPr marL="914400" indent="0">
+              <a:buNone/>
+              <a:defRPr sz="1800" b="1"/>
+            </a:lvl3pPr>
+            <a:lvl4pPr marL="1371600" indent="0">
+              <a:buNone/>
+              <a:defRPr sz="1600" b="1"/>
+            </a:lvl4pPr>
+            <a:lvl5pPr marL="1828800" indent="0">
+              <a:buNone/>
+              <a:defRPr sz="1600" b="1"/>
+            </a:lvl5pPr>
+            <a:lvl6pPr marL="2286000" indent="0">
+              <a:buNone/>
+              <a:defRPr sz="1600" b="1"/>
+            </a:lvl6pPr>
+            <a:lvl7pPr marL="2743200" indent="0">
+              <a:buNone/>
+              <a:defRPr sz="1600" b="1"/>
+            </a:lvl7pPr>
+            <a:lvl8pPr marL="3200400" indent="0">
+              <a:buNone/>
+              <a:defRPr sz="1600" b="1"/>
+            </a:lvl8pPr>
+            <a:lvl9pPr marL="3657600" indent="0">
+              <a:buNone/>
+              <a:defRPr sz="1600" b="1"/>
+            </a:lvl9pPr>
+          </a:lstStyle>
+          <a:p>
+            <a:pPr lvl="0"/>
+            <a:r>
+              <a:rPr lang="es-ES"/>
+              <a:t>Editar el estilo de texto del patrón</a:t>
+            </a:r>
+          </a:p>
+        </p:txBody>
+      </p:sp>
+      <p:sp>
+        <p:nvSpPr>
+          <p:cNvPr id="6" name="Marcador de contenido 5"/>
+          <p:cNvSpPr>
+            <a:spLocks noGrp="1"/>
+          </p:cNvSpPr>
+          <p:nvPr>
+            <p:ph sz="quarter" idx="4"/>
+          </p:nvPr>
+        </p:nvSpPr>
+        <p:spPr>
+          <a:xfrm>
+            <a:off x="6172200" y="2505075"/>
+            <a:ext cx="5183188" cy="3684588"/>
+          </a:xfrm>
+        </p:spPr>
+        <p:txBody>
+          <a:bodyPr/>
+          <a:lstStyle/>
+          <a:p>
+            <a:pPr lvl="0"/>
+            <a:r>
+              <a:rPr lang="es-ES"/>
+              <a:t>Editar el estilo de texto del patrón</a:t>
+            </a:r>
+          </a:p>
+          <a:p>
+            <a:pPr lvl="1"/>
+            <a:r>
+              <a:rPr lang="es-ES"/>
+              <a:t>Segundo nivel</a:t>
+            </a:r>
+          </a:p>
+          <a:p>
+            <a:pPr lvl="2"/>
+            <a:r>
+              <a:rPr lang="es-ES"/>
+              <a:t>Tercer nivel</a:t>
+            </a:r>
+          </a:p>
+          <a:p>
+            <a:pPr lvl="3"/>
+            <a:r>
+              <a:rPr lang="es-ES"/>
+              <a:t>Cuarto nivel</a:t>
+            </a:r>
+          </a:p>
+          <a:p>
+            <a:pPr lvl="4"/>
+            <a:r>
+              <a:rPr lang="es-ES"/>
+              <a:t>Quinto nivel</a:t>
+            </a:r>
+          </a:p>
+        </p:txBody>
+      </p:sp>
+      <p:sp>
+        <p:nvSpPr>
+          <p:cNvPr id="7" name="Marcador de fecha 6"/>
+          <p:cNvSpPr>
+            <a:spLocks noGrp="1"/>
+          </p:cNvSpPr>
+          <p:nvPr>
+            <p:ph type="dt" sz="half" idx="10"/>
+          </p:nvPr>
+        </p:nvSpPr>
+        <p:spPr/>
+        <p:txBody>
+          <a:bodyPr/>
+          <a:lstStyle/>
+          <a:p>
+            <a:fld id="{B951A33D-190D-42DB-9BC7-255E6333FEAF}" type="datetimeFigureOut">
+              <a:rPr lang="es-ES" smtClean="0">
+                <a:solidFill>
+                  <a:prstClr val="black">
+                    <a:tint val="75000"/>
+                  </a:prstClr>
+                </a:solidFill>
+              </a:rPr>
+              <a:pPr/>
+              <a:t>25/11/2016</a:t>
+            </a:fld>
+            <a:endParaRPr lang="es-ES">
+              <a:solidFill>
+                <a:prstClr val="black">
+                  <a:tint val="75000"/>
+                </a:prstClr>
+              </a:solidFill>
+            </a:endParaRPr>
+          </a:p>
+        </p:txBody>
+      </p:sp>
+      <p:sp>
+        <p:nvSpPr>
+          <p:cNvPr id="8" name="Marcador de pie de página 7"/>
+          <p:cNvSpPr>
+            <a:spLocks noGrp="1"/>
+          </p:cNvSpPr>
+          <p:nvPr>
+            <p:ph type="ftr" sz="quarter" idx="11"/>
+          </p:nvPr>
+        </p:nvSpPr>
+        <p:spPr/>
+        <p:txBody>
+          <a:bodyPr/>
+          <a:lstStyle/>
+          <a:p>
+            <a:endParaRPr lang="es-ES">
+              <a:solidFill>
+                <a:prstClr val="black">
+                  <a:tint val="75000"/>
+                </a:prstClr>
+              </a:solidFill>
+            </a:endParaRPr>
+          </a:p>
+        </p:txBody>
+      </p:sp>
+      <p:sp>
+        <p:nvSpPr>
+          <p:cNvPr id="9" name="Marcador de número de diapositiva 8"/>
+          <p:cNvSpPr>
+            <a:spLocks noGrp="1"/>
+          </p:cNvSpPr>
+          <p:nvPr>
+            <p:ph type="sldNum" sz="quarter" idx="12"/>
+          </p:nvPr>
+        </p:nvSpPr>
+        <p:spPr/>
+        <p:txBody>
+          <a:bodyPr/>
+          <a:lstStyle/>
+          <a:p>
+            <a:fld id="{99A6B0C4-5637-4DCA-8818-0CDAF03C39DB}" type="slidenum">
+              <a:rPr lang="es-ES" smtClean="0">
+                <a:solidFill>
+                  <a:prstClr val="black">
+                    <a:tint val="75000"/>
+                  </a:prstClr>
+                </a:solidFill>
+              </a:rPr>
+              <a:pPr/>
+              <a:t>‹Nº›</a:t>
+            </a:fld>
+            <a:endParaRPr lang="es-ES">
+              <a:solidFill>
+                <a:prstClr val="black">
+                  <a:tint val="75000"/>
+                </a:prstClr>
+              </a:solidFill>
+            </a:endParaRPr>
+          </a:p>
+        </p:txBody>
+      </p:sp>
+    </p:spTree>
+    <p:extLst>
+      <p:ext uri="{BB962C8B-B14F-4D97-AF65-F5344CB8AC3E}">
+        <p14:creationId xmlns:p14="http://schemas.microsoft.com/office/powerpoint/2010/main" val="3966460550"/>
+      </p:ext>
+    </p:extLst>
+  </p:cSld>
+  <p:clrMapOvr>
+    <a:masterClrMapping/>
+  </p:clrMapOvr>
+</p:sldLayout>
+</file>
+
+<file path=ppt/slideLayouts/slideLayout17.xml><?xml version="1.0" encoding="utf-8"?>
+<p:sldLayout xmlns:a="http://schemas.openxmlformats.org/drawingml/2006/main" xmlns:r="http://schemas.openxmlformats.org/officeDocument/2006/relationships" xmlns:p="http://schemas.openxmlformats.org/presentationml/2006/main" type="titleOnly" preserve="1">
+  <p:cSld name="Solo el título">
+    <p:spTree>
+      <p:nvGrpSpPr>
+        <p:cNvPr id="1" name=""/>
+        <p:cNvGrpSpPr/>
+        <p:nvPr/>
+      </p:nvGrpSpPr>
+      <p:grpSpPr>
+        <a:xfrm>
+          <a:off x="0" y="0"/>
+          <a:ext cx="0" cy="0"/>
+          <a:chOff x="0" y="0"/>
+          <a:chExt cx="0" cy="0"/>
+        </a:xfrm>
+      </p:grpSpPr>
+      <p:sp>
+        <p:nvSpPr>
+          <p:cNvPr id="2" name="Título 1"/>
+          <p:cNvSpPr>
+            <a:spLocks noGrp="1"/>
+          </p:cNvSpPr>
+          <p:nvPr>
+            <p:ph type="title"/>
+          </p:nvPr>
+        </p:nvSpPr>
+        <p:spPr/>
+        <p:txBody>
+          <a:bodyPr/>
+          <a:lstStyle/>
+          <a:p>
+            <a:r>
+              <a:rPr lang="es-ES"/>
+              <a:t>Haga clic para modificar el estilo de título del patrón</a:t>
+            </a:r>
+          </a:p>
+        </p:txBody>
+      </p:sp>
+      <p:sp>
+        <p:nvSpPr>
+          <p:cNvPr id="3" name="Marcador de fecha 2"/>
+          <p:cNvSpPr>
+            <a:spLocks noGrp="1"/>
+          </p:cNvSpPr>
+          <p:nvPr>
+            <p:ph type="dt" sz="half" idx="10"/>
+          </p:nvPr>
+        </p:nvSpPr>
+        <p:spPr/>
+        <p:txBody>
+          <a:bodyPr/>
+          <a:lstStyle/>
+          <a:p>
+            <a:fld id="{B951A33D-190D-42DB-9BC7-255E6333FEAF}" type="datetimeFigureOut">
+              <a:rPr lang="es-ES" smtClean="0">
+                <a:solidFill>
+                  <a:prstClr val="black">
+                    <a:tint val="75000"/>
+                  </a:prstClr>
+                </a:solidFill>
+              </a:rPr>
+              <a:pPr/>
+              <a:t>25/11/2016</a:t>
+            </a:fld>
+            <a:endParaRPr lang="es-ES">
+              <a:solidFill>
+                <a:prstClr val="black">
+                  <a:tint val="75000"/>
+                </a:prstClr>
+              </a:solidFill>
+            </a:endParaRPr>
+          </a:p>
+        </p:txBody>
+      </p:sp>
+      <p:sp>
+        <p:nvSpPr>
+          <p:cNvPr id="4" name="Marcador de pie de página 3"/>
+          <p:cNvSpPr>
+            <a:spLocks noGrp="1"/>
+          </p:cNvSpPr>
+          <p:nvPr>
+            <p:ph type="ftr" sz="quarter" idx="11"/>
+          </p:nvPr>
+        </p:nvSpPr>
+        <p:spPr/>
+        <p:txBody>
+          <a:bodyPr/>
+          <a:lstStyle/>
+          <a:p>
+            <a:endParaRPr lang="es-ES">
+              <a:solidFill>
+                <a:prstClr val="black">
+                  <a:tint val="75000"/>
+                </a:prstClr>
+              </a:solidFill>
+            </a:endParaRPr>
+          </a:p>
+        </p:txBody>
+      </p:sp>
+      <p:sp>
+        <p:nvSpPr>
+          <p:cNvPr id="5" name="Marcador de número de diapositiva 4"/>
+          <p:cNvSpPr>
+            <a:spLocks noGrp="1"/>
+          </p:cNvSpPr>
+          <p:nvPr>
+            <p:ph type="sldNum" sz="quarter" idx="12"/>
+          </p:nvPr>
+        </p:nvSpPr>
+        <p:spPr/>
+        <p:txBody>
+          <a:bodyPr/>
+          <a:lstStyle/>
+          <a:p>
+            <a:fld id="{99A6B0C4-5637-4DCA-8818-0CDAF03C39DB}" type="slidenum">
+              <a:rPr lang="es-ES" smtClean="0">
+                <a:solidFill>
+                  <a:prstClr val="black">
+                    <a:tint val="75000"/>
+                  </a:prstClr>
+                </a:solidFill>
+              </a:rPr>
+              <a:pPr/>
+              <a:t>‹Nº›</a:t>
+            </a:fld>
+            <a:endParaRPr lang="es-ES">
+              <a:solidFill>
+                <a:prstClr val="black">
+                  <a:tint val="75000"/>
+                </a:prstClr>
+              </a:solidFill>
+            </a:endParaRPr>
+          </a:p>
+        </p:txBody>
+      </p:sp>
+    </p:spTree>
+    <p:extLst>
+      <p:ext uri="{BB962C8B-B14F-4D97-AF65-F5344CB8AC3E}">
+        <p14:creationId xmlns:p14="http://schemas.microsoft.com/office/powerpoint/2010/main" val="1269537798"/>
+      </p:ext>
+    </p:extLst>
+  </p:cSld>
+  <p:clrMapOvr>
+    <a:masterClrMapping/>
+  </p:clrMapOvr>
+</p:sldLayout>
+</file>
+
+<file path=ppt/slideLayouts/slideLayout18.xml><?xml version="1.0" encoding="utf-8"?>
+<p:sldLayout xmlns:a="http://schemas.openxmlformats.org/drawingml/2006/main" xmlns:r="http://schemas.openxmlformats.org/officeDocument/2006/relationships" xmlns:p="http://schemas.openxmlformats.org/presentationml/2006/main" type="blank" preserve="1">
+  <p:cSld name="En blanco">
+    <p:spTree>
+      <p:nvGrpSpPr>
+        <p:cNvPr id="1" name=""/>
+        <p:cNvGrpSpPr/>
+        <p:nvPr/>
+      </p:nvGrpSpPr>
+      <p:grpSpPr>
+        <a:xfrm>
+          <a:off x="0" y="0"/>
+          <a:ext cx="0" cy="0"/>
+          <a:chOff x="0" y="0"/>
+          <a:chExt cx="0" cy="0"/>
+        </a:xfrm>
+      </p:grpSpPr>
+      <p:sp>
+        <p:nvSpPr>
+          <p:cNvPr id="2" name="Marcador de fecha 1"/>
+          <p:cNvSpPr>
+            <a:spLocks noGrp="1"/>
+          </p:cNvSpPr>
+          <p:nvPr>
+            <p:ph type="dt" sz="half" idx="10"/>
+          </p:nvPr>
+        </p:nvSpPr>
+        <p:spPr/>
+        <p:txBody>
+          <a:bodyPr/>
+          <a:lstStyle/>
+          <a:p>
+            <a:fld id="{B951A33D-190D-42DB-9BC7-255E6333FEAF}" type="datetimeFigureOut">
+              <a:rPr lang="es-ES" smtClean="0">
+                <a:solidFill>
+                  <a:prstClr val="black">
+                    <a:tint val="75000"/>
+                  </a:prstClr>
+                </a:solidFill>
+              </a:rPr>
+              <a:pPr/>
+              <a:t>25/11/2016</a:t>
+            </a:fld>
+            <a:endParaRPr lang="es-ES">
+              <a:solidFill>
+                <a:prstClr val="black">
+                  <a:tint val="75000"/>
+                </a:prstClr>
+              </a:solidFill>
+            </a:endParaRPr>
+          </a:p>
+        </p:txBody>
+      </p:sp>
+      <p:sp>
+        <p:nvSpPr>
+          <p:cNvPr id="3" name="Marcador de pie de página 2"/>
+          <p:cNvSpPr>
+            <a:spLocks noGrp="1"/>
+          </p:cNvSpPr>
+          <p:nvPr>
+            <p:ph type="ftr" sz="quarter" idx="11"/>
+          </p:nvPr>
+        </p:nvSpPr>
+        <p:spPr/>
+        <p:txBody>
+          <a:bodyPr/>
+          <a:lstStyle/>
+          <a:p>
+            <a:endParaRPr lang="es-ES">
+              <a:solidFill>
+                <a:prstClr val="black">
+                  <a:tint val="75000"/>
+                </a:prstClr>
+              </a:solidFill>
+            </a:endParaRPr>
+          </a:p>
+        </p:txBody>
+      </p:sp>
+      <p:sp>
+        <p:nvSpPr>
+          <p:cNvPr id="4" name="Marcador de número de diapositiva 3"/>
+          <p:cNvSpPr>
+            <a:spLocks noGrp="1"/>
+          </p:cNvSpPr>
+          <p:nvPr>
+            <p:ph type="sldNum" sz="quarter" idx="12"/>
+          </p:nvPr>
+        </p:nvSpPr>
+        <p:spPr/>
+        <p:txBody>
+          <a:bodyPr/>
+          <a:lstStyle/>
+          <a:p>
+            <a:fld id="{99A6B0C4-5637-4DCA-8818-0CDAF03C39DB}" type="slidenum">
+              <a:rPr lang="es-ES" smtClean="0">
+                <a:solidFill>
+                  <a:prstClr val="black">
+                    <a:tint val="75000"/>
+                  </a:prstClr>
+                </a:solidFill>
+              </a:rPr>
+              <a:pPr/>
+              <a:t>‹Nº›</a:t>
+            </a:fld>
+            <a:endParaRPr lang="es-ES">
+              <a:solidFill>
+                <a:prstClr val="black">
+                  <a:tint val="75000"/>
+                </a:prstClr>
+              </a:solidFill>
+            </a:endParaRPr>
+          </a:p>
+        </p:txBody>
+      </p:sp>
+    </p:spTree>
+    <p:extLst>
+      <p:ext uri="{BB962C8B-B14F-4D97-AF65-F5344CB8AC3E}">
+        <p14:creationId xmlns:p14="http://schemas.microsoft.com/office/powerpoint/2010/main" val="128370313"/>
+      </p:ext>
+    </p:extLst>
+  </p:cSld>
+  <p:clrMapOvr>
+    <a:masterClrMapping/>
+  </p:clrMapOvr>
+</p:sldLayout>
+</file>
+
+<file path=ppt/slideLayouts/slideLayout19.xml><?xml version="1.0" encoding="utf-8"?>
+<p:sldLayout xmlns:a="http://schemas.openxmlformats.org/drawingml/2006/main" xmlns:r="http://schemas.openxmlformats.org/officeDocument/2006/relationships" xmlns:p="http://schemas.openxmlformats.org/presentationml/2006/main" type="objTx" preserve="1">
+  <p:cSld name="Contenido con título">
+    <p:spTree>
+      <p:nvGrpSpPr>
+        <p:cNvPr id="1" name=""/>
+        <p:cNvGrpSpPr/>
+        <p:nvPr/>
+      </p:nvGrpSpPr>
+      <p:grpSpPr>
+        <a:xfrm>
+          <a:off x="0" y="0"/>
+          <a:ext cx="0" cy="0"/>
+          <a:chOff x="0" y="0"/>
+          <a:chExt cx="0" cy="0"/>
+        </a:xfrm>
+      </p:grpSpPr>
+      <p:sp>
+        <p:nvSpPr>
+          <p:cNvPr id="2" name="Título 1"/>
+          <p:cNvSpPr>
+            <a:spLocks noGrp="1"/>
+          </p:cNvSpPr>
+          <p:nvPr>
+            <p:ph type="title"/>
+          </p:nvPr>
+        </p:nvSpPr>
+        <p:spPr>
+          <a:xfrm>
+            <a:off x="839788" y="457200"/>
+            <a:ext cx="3932237" cy="1600200"/>
+          </a:xfrm>
+        </p:spPr>
+        <p:txBody>
+          <a:bodyPr anchor="b"/>
+          <a:lstStyle>
+            <a:lvl1pPr>
+              <a:defRPr sz="3200"/>
+            </a:lvl1pPr>
+          </a:lstStyle>
+          <a:p>
+            <a:r>
+              <a:rPr lang="es-ES"/>
+              <a:t>Haga clic para modificar el estilo de título del patrón</a:t>
+            </a:r>
+          </a:p>
+        </p:txBody>
+      </p:sp>
+      <p:sp>
+        <p:nvSpPr>
+          <p:cNvPr id="3" name="Marcador de contenido 2"/>
+          <p:cNvSpPr>
+            <a:spLocks noGrp="1"/>
+          </p:cNvSpPr>
+          <p:nvPr>
+            <p:ph idx="1"/>
+          </p:nvPr>
+        </p:nvSpPr>
+        <p:spPr>
+          <a:xfrm>
+            <a:off x="5183188" y="987425"/>
+            <a:ext cx="6172200" cy="4873625"/>
+          </a:xfrm>
+        </p:spPr>
+        <p:txBody>
+          <a:bodyPr/>
+          <a:lstStyle>
+            <a:lvl1pPr>
+              <a:defRPr sz="3200"/>
+            </a:lvl1pPr>
+            <a:lvl2pPr>
+              <a:defRPr sz="2800"/>
+            </a:lvl2pPr>
+            <a:lvl3pPr>
+              <a:defRPr sz="2400"/>
+            </a:lvl3pPr>
+            <a:lvl4pPr>
+              <a:defRPr sz="2000"/>
+            </a:lvl4pPr>
+            <a:lvl5pPr>
+              <a:defRPr sz="2000"/>
+            </a:lvl5pPr>
+            <a:lvl6pPr>
+              <a:defRPr sz="2000"/>
+            </a:lvl6pPr>
+            <a:lvl7pPr>
+              <a:defRPr sz="2000"/>
+            </a:lvl7pPr>
+            <a:lvl8pPr>
+              <a:defRPr sz="2000"/>
+            </a:lvl8pPr>
+            <a:lvl9pPr>
+              <a:defRPr sz="2000"/>
+            </a:lvl9pPr>
+          </a:lstStyle>
+          <a:p>
+            <a:pPr lvl="0"/>
+            <a:r>
+              <a:rPr lang="es-ES"/>
+              <a:t>Editar el estilo de texto del patrón</a:t>
+            </a:r>
+          </a:p>
+          <a:p>
+            <a:pPr lvl="1"/>
+            <a:r>
+              <a:rPr lang="es-ES"/>
+              <a:t>Segundo nivel</a:t>
+            </a:r>
+          </a:p>
+          <a:p>
+            <a:pPr lvl="2"/>
+            <a:r>
+              <a:rPr lang="es-ES"/>
+              <a:t>Tercer nivel</a:t>
+            </a:r>
+          </a:p>
+          <a:p>
+            <a:pPr lvl="3"/>
+            <a:r>
+              <a:rPr lang="es-ES"/>
+              <a:t>Cuarto nivel</a:t>
+            </a:r>
+          </a:p>
+          <a:p>
+            <a:pPr lvl="4"/>
+            <a:r>
+              <a:rPr lang="es-ES"/>
+              <a:t>Quinto nivel</a:t>
+            </a:r>
+          </a:p>
+        </p:txBody>
+      </p:sp>
+      <p:sp>
+        <p:nvSpPr>
+          <p:cNvPr id="4" name="Marcador de texto 3"/>
+          <p:cNvSpPr>
+            <a:spLocks noGrp="1"/>
+          </p:cNvSpPr>
+          <p:nvPr>
+            <p:ph type="body" sz="half" idx="2"/>
+          </p:nvPr>
+        </p:nvSpPr>
+        <p:spPr>
+          <a:xfrm>
+            <a:off x="839788" y="2057400"/>
+            <a:ext cx="3932237" cy="3811588"/>
+          </a:xfrm>
+        </p:spPr>
+        <p:txBody>
+          <a:bodyPr/>
+          <a:lstStyle>
+            <a:lvl1pPr marL="0" indent="0">
+              <a:buNone/>
+              <a:defRPr sz="1600"/>
+            </a:lvl1pPr>
+            <a:lvl2pPr marL="457200" indent="0">
+              <a:buNone/>
+              <a:defRPr sz="1400"/>
+            </a:lvl2pPr>
+            <a:lvl3pPr marL="914400" indent="0">
+              <a:buNone/>
+              <a:defRPr sz="1200"/>
+            </a:lvl3pPr>
+            <a:lvl4pPr marL="1371600" indent="0">
+              <a:buNone/>
+              <a:defRPr sz="1000"/>
+            </a:lvl4pPr>
+            <a:lvl5pPr marL="1828800" indent="0">
+              <a:buNone/>
+              <a:defRPr sz="1000"/>
+            </a:lvl5pPr>
+            <a:lvl6pPr marL="2286000" indent="0">
+              <a:buNone/>
+              <a:defRPr sz="1000"/>
+            </a:lvl6pPr>
+            <a:lvl7pPr marL="2743200" indent="0">
+              <a:buNone/>
+              <a:defRPr sz="1000"/>
+            </a:lvl7pPr>
+            <a:lvl8pPr marL="3200400" indent="0">
+              <a:buNone/>
+              <a:defRPr sz="1000"/>
+            </a:lvl8pPr>
+            <a:lvl9pPr marL="3657600" indent="0">
+              <a:buNone/>
+              <a:defRPr sz="1000"/>
+            </a:lvl9pPr>
+          </a:lstStyle>
+          <a:p>
+            <a:pPr lvl="0"/>
+            <a:r>
+              <a:rPr lang="es-ES"/>
+              <a:t>Editar el estilo de texto del patrón</a:t>
+            </a:r>
+          </a:p>
+        </p:txBody>
+      </p:sp>
+      <p:sp>
+        <p:nvSpPr>
+          <p:cNvPr id="5" name="Marcador de fecha 4"/>
+          <p:cNvSpPr>
+            <a:spLocks noGrp="1"/>
+          </p:cNvSpPr>
+          <p:nvPr>
+            <p:ph type="dt" sz="half" idx="10"/>
+          </p:nvPr>
+        </p:nvSpPr>
+        <p:spPr/>
+        <p:txBody>
+          <a:bodyPr/>
+          <a:lstStyle/>
+          <a:p>
+            <a:fld id="{B951A33D-190D-42DB-9BC7-255E6333FEAF}" type="datetimeFigureOut">
+              <a:rPr lang="es-ES" smtClean="0">
+                <a:solidFill>
+                  <a:prstClr val="black">
+                    <a:tint val="75000"/>
+                  </a:prstClr>
+                </a:solidFill>
+              </a:rPr>
+              <a:pPr/>
+              <a:t>25/11/2016</a:t>
+            </a:fld>
+            <a:endParaRPr lang="es-ES">
+              <a:solidFill>
+                <a:prstClr val="black">
+                  <a:tint val="75000"/>
+                </a:prstClr>
+              </a:solidFill>
+            </a:endParaRPr>
+          </a:p>
+        </p:txBody>
+      </p:sp>
+      <p:sp>
+        <p:nvSpPr>
+          <p:cNvPr id="6" name="Marcador de pie de página 5"/>
+          <p:cNvSpPr>
+            <a:spLocks noGrp="1"/>
+          </p:cNvSpPr>
+          <p:nvPr>
+            <p:ph type="ftr" sz="quarter" idx="11"/>
+          </p:nvPr>
+        </p:nvSpPr>
+        <p:spPr/>
+        <p:txBody>
+          <a:bodyPr/>
+          <a:lstStyle/>
+          <a:p>
+            <a:endParaRPr lang="es-ES">
+              <a:solidFill>
+                <a:prstClr val="black">
+                  <a:tint val="75000"/>
+                </a:prstClr>
+              </a:solidFill>
+            </a:endParaRPr>
+          </a:p>
+        </p:txBody>
+      </p:sp>
+      <p:sp>
+        <p:nvSpPr>
+          <p:cNvPr id="7" name="Marcador de número de diapositiva 6"/>
+          <p:cNvSpPr>
+            <a:spLocks noGrp="1"/>
+          </p:cNvSpPr>
+          <p:nvPr>
+            <p:ph type="sldNum" sz="quarter" idx="12"/>
+          </p:nvPr>
+        </p:nvSpPr>
+        <p:spPr/>
+        <p:txBody>
+          <a:bodyPr/>
+          <a:lstStyle/>
+          <a:p>
+            <a:fld id="{99A6B0C4-5637-4DCA-8818-0CDAF03C39DB}" type="slidenum">
+              <a:rPr lang="es-ES" smtClean="0">
+                <a:solidFill>
+                  <a:prstClr val="black">
+                    <a:tint val="75000"/>
+                  </a:prstClr>
+                </a:solidFill>
+              </a:rPr>
+              <a:pPr/>
+              <a:t>‹Nº›</a:t>
+            </a:fld>
+            <a:endParaRPr lang="es-ES">
+              <a:solidFill>
+                <a:prstClr val="black">
+                  <a:tint val="75000"/>
+                </a:prstClr>
+              </a:solidFill>
+            </a:endParaRPr>
+          </a:p>
+        </p:txBody>
+      </p:sp>
+    </p:spTree>
+    <p:extLst>
+      <p:ext uri="{BB962C8B-B14F-4D97-AF65-F5344CB8AC3E}">
+        <p14:creationId xmlns:p14="http://schemas.microsoft.com/office/powerpoint/2010/main" val="589132527"/>
+      </p:ext>
+    </p:extLst>
+  </p:cSld>
+  <p:clrMapOvr>
+    <a:masterClrMapping/>
+  </p:clrMapOvr>
+</p:sldLayout>
+</file>
+
 <file path=ppt/slideLayouts/slideLayout2.xml><?xml version="1.0" encoding="utf-8"?>
 <p:sldLayout xmlns:a="http://schemas.openxmlformats.org/drawingml/2006/main" xmlns:r="http://schemas.openxmlformats.org/officeDocument/2006/relationships" xmlns:p="http://schemas.openxmlformats.org/presentationml/2006/main" type="obj" preserve="1">
   <p:cSld name="Título y objetos">
@@ -809,6 +2750,700 @@
     <p:extLst>
       <p:ext uri="{BB962C8B-B14F-4D97-AF65-F5344CB8AC3E}">
         <p14:creationId xmlns:p14="http://schemas.microsoft.com/office/powerpoint/2010/main" val="1968913757"/>
+      </p:ext>
+    </p:extLst>
+  </p:cSld>
+  <p:clrMapOvr>
+    <a:masterClrMapping/>
+  </p:clrMapOvr>
+</p:sldLayout>
+</file>
+
+<file path=ppt/slideLayouts/slideLayout20.xml><?xml version="1.0" encoding="utf-8"?>
+<p:sldLayout xmlns:a="http://schemas.openxmlformats.org/drawingml/2006/main" xmlns:r="http://schemas.openxmlformats.org/officeDocument/2006/relationships" xmlns:p="http://schemas.openxmlformats.org/presentationml/2006/main" type="picTx" preserve="1">
+  <p:cSld name="Imagen con título">
+    <p:spTree>
+      <p:nvGrpSpPr>
+        <p:cNvPr id="1" name=""/>
+        <p:cNvGrpSpPr/>
+        <p:nvPr/>
+      </p:nvGrpSpPr>
+      <p:grpSpPr>
+        <a:xfrm>
+          <a:off x="0" y="0"/>
+          <a:ext cx="0" cy="0"/>
+          <a:chOff x="0" y="0"/>
+          <a:chExt cx="0" cy="0"/>
+        </a:xfrm>
+      </p:grpSpPr>
+      <p:sp>
+        <p:nvSpPr>
+          <p:cNvPr id="2" name="Título 1"/>
+          <p:cNvSpPr>
+            <a:spLocks noGrp="1"/>
+          </p:cNvSpPr>
+          <p:nvPr>
+            <p:ph type="title"/>
+          </p:nvPr>
+        </p:nvSpPr>
+        <p:spPr>
+          <a:xfrm>
+            <a:off x="839788" y="457200"/>
+            <a:ext cx="3932237" cy="1600200"/>
+          </a:xfrm>
+        </p:spPr>
+        <p:txBody>
+          <a:bodyPr anchor="b"/>
+          <a:lstStyle>
+            <a:lvl1pPr>
+              <a:defRPr sz="3200"/>
+            </a:lvl1pPr>
+          </a:lstStyle>
+          <a:p>
+            <a:r>
+              <a:rPr lang="es-ES"/>
+              <a:t>Haga clic para modificar el estilo de título del patrón</a:t>
+            </a:r>
+          </a:p>
+        </p:txBody>
+      </p:sp>
+      <p:sp>
+        <p:nvSpPr>
+          <p:cNvPr id="3" name="Marcador de posición de imagen 2"/>
+          <p:cNvSpPr>
+            <a:spLocks noGrp="1"/>
+          </p:cNvSpPr>
+          <p:nvPr>
+            <p:ph type="pic" idx="1"/>
+          </p:nvPr>
+        </p:nvSpPr>
+        <p:spPr>
+          <a:xfrm>
+            <a:off x="5183188" y="987425"/>
+            <a:ext cx="6172200" cy="4873625"/>
+          </a:xfrm>
+        </p:spPr>
+        <p:txBody>
+          <a:bodyPr/>
+          <a:lstStyle>
+            <a:lvl1pPr marL="0" indent="0">
+              <a:buNone/>
+              <a:defRPr sz="3200"/>
+            </a:lvl1pPr>
+            <a:lvl2pPr marL="457200" indent="0">
+              <a:buNone/>
+              <a:defRPr sz="2800"/>
+            </a:lvl2pPr>
+            <a:lvl3pPr marL="914400" indent="0">
+              <a:buNone/>
+              <a:defRPr sz="2400"/>
+            </a:lvl3pPr>
+            <a:lvl4pPr marL="1371600" indent="0">
+              <a:buNone/>
+              <a:defRPr sz="2000"/>
+            </a:lvl4pPr>
+            <a:lvl5pPr marL="1828800" indent="0">
+              <a:buNone/>
+              <a:defRPr sz="2000"/>
+            </a:lvl5pPr>
+            <a:lvl6pPr marL="2286000" indent="0">
+              <a:buNone/>
+              <a:defRPr sz="2000"/>
+            </a:lvl6pPr>
+            <a:lvl7pPr marL="2743200" indent="0">
+              <a:buNone/>
+              <a:defRPr sz="2000"/>
+            </a:lvl7pPr>
+            <a:lvl8pPr marL="3200400" indent="0">
+              <a:buNone/>
+              <a:defRPr sz="2000"/>
+            </a:lvl8pPr>
+            <a:lvl9pPr marL="3657600" indent="0">
+              <a:buNone/>
+              <a:defRPr sz="2000"/>
+            </a:lvl9pPr>
+          </a:lstStyle>
+          <a:p>
+            <a:endParaRPr lang="es-ES"/>
+          </a:p>
+        </p:txBody>
+      </p:sp>
+      <p:sp>
+        <p:nvSpPr>
+          <p:cNvPr id="4" name="Marcador de texto 3"/>
+          <p:cNvSpPr>
+            <a:spLocks noGrp="1"/>
+          </p:cNvSpPr>
+          <p:nvPr>
+            <p:ph type="body" sz="half" idx="2"/>
+          </p:nvPr>
+        </p:nvSpPr>
+        <p:spPr>
+          <a:xfrm>
+            <a:off x="839788" y="2057400"/>
+            <a:ext cx="3932237" cy="3811588"/>
+          </a:xfrm>
+        </p:spPr>
+        <p:txBody>
+          <a:bodyPr/>
+          <a:lstStyle>
+            <a:lvl1pPr marL="0" indent="0">
+              <a:buNone/>
+              <a:defRPr sz="1600"/>
+            </a:lvl1pPr>
+            <a:lvl2pPr marL="457200" indent="0">
+              <a:buNone/>
+              <a:defRPr sz="1400"/>
+            </a:lvl2pPr>
+            <a:lvl3pPr marL="914400" indent="0">
+              <a:buNone/>
+              <a:defRPr sz="1200"/>
+            </a:lvl3pPr>
+            <a:lvl4pPr marL="1371600" indent="0">
+              <a:buNone/>
+              <a:defRPr sz="1000"/>
+            </a:lvl4pPr>
+            <a:lvl5pPr marL="1828800" indent="0">
+              <a:buNone/>
+              <a:defRPr sz="1000"/>
+            </a:lvl5pPr>
+            <a:lvl6pPr marL="2286000" indent="0">
+              <a:buNone/>
+              <a:defRPr sz="1000"/>
+            </a:lvl6pPr>
+            <a:lvl7pPr marL="2743200" indent="0">
+              <a:buNone/>
+              <a:defRPr sz="1000"/>
+            </a:lvl7pPr>
+            <a:lvl8pPr marL="3200400" indent="0">
+              <a:buNone/>
+              <a:defRPr sz="1000"/>
+            </a:lvl8pPr>
+            <a:lvl9pPr marL="3657600" indent="0">
+              <a:buNone/>
+              <a:defRPr sz="1000"/>
+            </a:lvl9pPr>
+          </a:lstStyle>
+          <a:p>
+            <a:pPr lvl="0"/>
+            <a:r>
+              <a:rPr lang="es-ES"/>
+              <a:t>Editar el estilo de texto del patrón</a:t>
+            </a:r>
+          </a:p>
+        </p:txBody>
+      </p:sp>
+      <p:sp>
+        <p:nvSpPr>
+          <p:cNvPr id="5" name="Marcador de fecha 4"/>
+          <p:cNvSpPr>
+            <a:spLocks noGrp="1"/>
+          </p:cNvSpPr>
+          <p:nvPr>
+            <p:ph type="dt" sz="half" idx="10"/>
+          </p:nvPr>
+        </p:nvSpPr>
+        <p:spPr/>
+        <p:txBody>
+          <a:bodyPr/>
+          <a:lstStyle/>
+          <a:p>
+            <a:fld id="{B951A33D-190D-42DB-9BC7-255E6333FEAF}" type="datetimeFigureOut">
+              <a:rPr lang="es-ES" smtClean="0">
+                <a:solidFill>
+                  <a:prstClr val="black">
+                    <a:tint val="75000"/>
+                  </a:prstClr>
+                </a:solidFill>
+              </a:rPr>
+              <a:pPr/>
+              <a:t>25/11/2016</a:t>
+            </a:fld>
+            <a:endParaRPr lang="es-ES">
+              <a:solidFill>
+                <a:prstClr val="black">
+                  <a:tint val="75000"/>
+                </a:prstClr>
+              </a:solidFill>
+            </a:endParaRPr>
+          </a:p>
+        </p:txBody>
+      </p:sp>
+      <p:sp>
+        <p:nvSpPr>
+          <p:cNvPr id="6" name="Marcador de pie de página 5"/>
+          <p:cNvSpPr>
+            <a:spLocks noGrp="1"/>
+          </p:cNvSpPr>
+          <p:nvPr>
+            <p:ph type="ftr" sz="quarter" idx="11"/>
+          </p:nvPr>
+        </p:nvSpPr>
+        <p:spPr/>
+        <p:txBody>
+          <a:bodyPr/>
+          <a:lstStyle/>
+          <a:p>
+            <a:endParaRPr lang="es-ES">
+              <a:solidFill>
+                <a:prstClr val="black">
+                  <a:tint val="75000"/>
+                </a:prstClr>
+              </a:solidFill>
+            </a:endParaRPr>
+          </a:p>
+        </p:txBody>
+      </p:sp>
+      <p:sp>
+        <p:nvSpPr>
+          <p:cNvPr id="7" name="Marcador de número de diapositiva 6"/>
+          <p:cNvSpPr>
+            <a:spLocks noGrp="1"/>
+          </p:cNvSpPr>
+          <p:nvPr>
+            <p:ph type="sldNum" sz="quarter" idx="12"/>
+          </p:nvPr>
+        </p:nvSpPr>
+        <p:spPr/>
+        <p:txBody>
+          <a:bodyPr/>
+          <a:lstStyle/>
+          <a:p>
+            <a:fld id="{99A6B0C4-5637-4DCA-8818-0CDAF03C39DB}" type="slidenum">
+              <a:rPr lang="es-ES" smtClean="0">
+                <a:solidFill>
+                  <a:prstClr val="black">
+                    <a:tint val="75000"/>
+                  </a:prstClr>
+                </a:solidFill>
+              </a:rPr>
+              <a:pPr/>
+              <a:t>‹Nº›</a:t>
+            </a:fld>
+            <a:endParaRPr lang="es-ES">
+              <a:solidFill>
+                <a:prstClr val="black">
+                  <a:tint val="75000"/>
+                </a:prstClr>
+              </a:solidFill>
+            </a:endParaRPr>
+          </a:p>
+        </p:txBody>
+      </p:sp>
+    </p:spTree>
+    <p:extLst>
+      <p:ext uri="{BB962C8B-B14F-4D97-AF65-F5344CB8AC3E}">
+        <p14:creationId xmlns:p14="http://schemas.microsoft.com/office/powerpoint/2010/main" val="2033166392"/>
+      </p:ext>
+    </p:extLst>
+  </p:cSld>
+  <p:clrMapOvr>
+    <a:masterClrMapping/>
+  </p:clrMapOvr>
+</p:sldLayout>
+</file>
+
+<file path=ppt/slideLayouts/slideLayout21.xml><?xml version="1.0" encoding="utf-8"?>
+<p:sldLayout xmlns:a="http://schemas.openxmlformats.org/drawingml/2006/main" xmlns:r="http://schemas.openxmlformats.org/officeDocument/2006/relationships" xmlns:p="http://schemas.openxmlformats.org/presentationml/2006/main" type="vertTx" preserve="1">
+  <p:cSld name="Título y texto vertical">
+    <p:spTree>
+      <p:nvGrpSpPr>
+        <p:cNvPr id="1" name=""/>
+        <p:cNvGrpSpPr/>
+        <p:nvPr/>
+      </p:nvGrpSpPr>
+      <p:grpSpPr>
+        <a:xfrm>
+          <a:off x="0" y="0"/>
+          <a:ext cx="0" cy="0"/>
+          <a:chOff x="0" y="0"/>
+          <a:chExt cx="0" cy="0"/>
+        </a:xfrm>
+      </p:grpSpPr>
+      <p:sp>
+        <p:nvSpPr>
+          <p:cNvPr id="2" name="Título 1"/>
+          <p:cNvSpPr>
+            <a:spLocks noGrp="1"/>
+          </p:cNvSpPr>
+          <p:nvPr>
+            <p:ph type="title"/>
+          </p:nvPr>
+        </p:nvSpPr>
+        <p:spPr/>
+        <p:txBody>
+          <a:bodyPr/>
+          <a:lstStyle/>
+          <a:p>
+            <a:r>
+              <a:rPr lang="es-ES"/>
+              <a:t>Haga clic para modificar el estilo de título del patrón</a:t>
+            </a:r>
+          </a:p>
+        </p:txBody>
+      </p:sp>
+      <p:sp>
+        <p:nvSpPr>
+          <p:cNvPr id="3" name="Marcador de texto vertical 2"/>
+          <p:cNvSpPr>
+            <a:spLocks noGrp="1"/>
+          </p:cNvSpPr>
+          <p:nvPr>
+            <p:ph type="body" orient="vert" idx="1"/>
+          </p:nvPr>
+        </p:nvSpPr>
+        <p:spPr/>
+        <p:txBody>
+          <a:bodyPr vert="eaVert"/>
+          <a:lstStyle/>
+          <a:p>
+            <a:pPr lvl="0"/>
+            <a:r>
+              <a:rPr lang="es-ES"/>
+              <a:t>Editar el estilo de texto del patrón</a:t>
+            </a:r>
+          </a:p>
+          <a:p>
+            <a:pPr lvl="1"/>
+            <a:r>
+              <a:rPr lang="es-ES"/>
+              <a:t>Segundo nivel</a:t>
+            </a:r>
+          </a:p>
+          <a:p>
+            <a:pPr lvl="2"/>
+            <a:r>
+              <a:rPr lang="es-ES"/>
+              <a:t>Tercer nivel</a:t>
+            </a:r>
+          </a:p>
+          <a:p>
+            <a:pPr lvl="3"/>
+            <a:r>
+              <a:rPr lang="es-ES"/>
+              <a:t>Cuarto nivel</a:t>
+            </a:r>
+          </a:p>
+          <a:p>
+            <a:pPr lvl="4"/>
+            <a:r>
+              <a:rPr lang="es-ES"/>
+              <a:t>Quinto nivel</a:t>
+            </a:r>
+          </a:p>
+        </p:txBody>
+      </p:sp>
+      <p:sp>
+        <p:nvSpPr>
+          <p:cNvPr id="4" name="Marcador de fecha 3"/>
+          <p:cNvSpPr>
+            <a:spLocks noGrp="1"/>
+          </p:cNvSpPr>
+          <p:nvPr>
+            <p:ph type="dt" sz="half" idx="10"/>
+          </p:nvPr>
+        </p:nvSpPr>
+        <p:spPr/>
+        <p:txBody>
+          <a:bodyPr/>
+          <a:lstStyle/>
+          <a:p>
+            <a:fld id="{B951A33D-190D-42DB-9BC7-255E6333FEAF}" type="datetimeFigureOut">
+              <a:rPr lang="es-ES" smtClean="0">
+                <a:solidFill>
+                  <a:prstClr val="black">
+                    <a:tint val="75000"/>
+                  </a:prstClr>
+                </a:solidFill>
+              </a:rPr>
+              <a:pPr/>
+              <a:t>25/11/2016</a:t>
+            </a:fld>
+            <a:endParaRPr lang="es-ES">
+              <a:solidFill>
+                <a:prstClr val="black">
+                  <a:tint val="75000"/>
+                </a:prstClr>
+              </a:solidFill>
+            </a:endParaRPr>
+          </a:p>
+        </p:txBody>
+      </p:sp>
+      <p:sp>
+        <p:nvSpPr>
+          <p:cNvPr id="5" name="Marcador de pie de página 4"/>
+          <p:cNvSpPr>
+            <a:spLocks noGrp="1"/>
+          </p:cNvSpPr>
+          <p:nvPr>
+            <p:ph type="ftr" sz="quarter" idx="11"/>
+          </p:nvPr>
+        </p:nvSpPr>
+        <p:spPr/>
+        <p:txBody>
+          <a:bodyPr/>
+          <a:lstStyle/>
+          <a:p>
+            <a:endParaRPr lang="es-ES">
+              <a:solidFill>
+                <a:prstClr val="black">
+                  <a:tint val="75000"/>
+                </a:prstClr>
+              </a:solidFill>
+            </a:endParaRPr>
+          </a:p>
+        </p:txBody>
+      </p:sp>
+      <p:sp>
+        <p:nvSpPr>
+          <p:cNvPr id="6" name="Marcador de número de diapositiva 5"/>
+          <p:cNvSpPr>
+            <a:spLocks noGrp="1"/>
+          </p:cNvSpPr>
+          <p:nvPr>
+            <p:ph type="sldNum" sz="quarter" idx="12"/>
+          </p:nvPr>
+        </p:nvSpPr>
+        <p:spPr/>
+        <p:txBody>
+          <a:bodyPr/>
+          <a:lstStyle/>
+          <a:p>
+            <a:fld id="{99A6B0C4-5637-4DCA-8818-0CDAF03C39DB}" type="slidenum">
+              <a:rPr lang="es-ES" smtClean="0">
+                <a:solidFill>
+                  <a:prstClr val="black">
+                    <a:tint val="75000"/>
+                  </a:prstClr>
+                </a:solidFill>
+              </a:rPr>
+              <a:pPr/>
+              <a:t>‹Nº›</a:t>
+            </a:fld>
+            <a:endParaRPr lang="es-ES">
+              <a:solidFill>
+                <a:prstClr val="black">
+                  <a:tint val="75000"/>
+                </a:prstClr>
+              </a:solidFill>
+            </a:endParaRPr>
+          </a:p>
+        </p:txBody>
+      </p:sp>
+    </p:spTree>
+    <p:extLst>
+      <p:ext uri="{BB962C8B-B14F-4D97-AF65-F5344CB8AC3E}">
+        <p14:creationId xmlns:p14="http://schemas.microsoft.com/office/powerpoint/2010/main" val="7461341"/>
+      </p:ext>
+    </p:extLst>
+  </p:cSld>
+  <p:clrMapOvr>
+    <a:masterClrMapping/>
+  </p:clrMapOvr>
+</p:sldLayout>
+</file>
+
+<file path=ppt/slideLayouts/slideLayout22.xml><?xml version="1.0" encoding="utf-8"?>
+<p:sldLayout xmlns:a="http://schemas.openxmlformats.org/drawingml/2006/main" xmlns:r="http://schemas.openxmlformats.org/officeDocument/2006/relationships" xmlns:p="http://schemas.openxmlformats.org/presentationml/2006/main" type="vertTitleAndTx" preserve="1">
+  <p:cSld name="Título vertical y texto">
+    <p:spTree>
+      <p:nvGrpSpPr>
+        <p:cNvPr id="1" name=""/>
+        <p:cNvGrpSpPr/>
+        <p:nvPr/>
+      </p:nvGrpSpPr>
+      <p:grpSpPr>
+        <a:xfrm>
+          <a:off x="0" y="0"/>
+          <a:ext cx="0" cy="0"/>
+          <a:chOff x="0" y="0"/>
+          <a:chExt cx="0" cy="0"/>
+        </a:xfrm>
+      </p:grpSpPr>
+      <p:sp>
+        <p:nvSpPr>
+          <p:cNvPr id="2" name="Título vertical 1"/>
+          <p:cNvSpPr>
+            <a:spLocks noGrp="1"/>
+          </p:cNvSpPr>
+          <p:nvPr>
+            <p:ph type="title" orient="vert"/>
+          </p:nvPr>
+        </p:nvSpPr>
+        <p:spPr>
+          <a:xfrm>
+            <a:off x="8724900" y="365125"/>
+            <a:ext cx="2628900" cy="5811838"/>
+          </a:xfrm>
+        </p:spPr>
+        <p:txBody>
+          <a:bodyPr vert="eaVert"/>
+          <a:lstStyle/>
+          <a:p>
+            <a:r>
+              <a:rPr lang="es-ES"/>
+              <a:t>Haga clic para modificar el estilo de título del patrón</a:t>
+            </a:r>
+          </a:p>
+        </p:txBody>
+      </p:sp>
+      <p:sp>
+        <p:nvSpPr>
+          <p:cNvPr id="3" name="Marcador de texto vertical 2"/>
+          <p:cNvSpPr>
+            <a:spLocks noGrp="1"/>
+          </p:cNvSpPr>
+          <p:nvPr>
+            <p:ph type="body" orient="vert" idx="1"/>
+          </p:nvPr>
+        </p:nvSpPr>
+        <p:spPr>
+          <a:xfrm>
+            <a:off x="838200" y="365125"/>
+            <a:ext cx="7734300" cy="5811838"/>
+          </a:xfrm>
+        </p:spPr>
+        <p:txBody>
+          <a:bodyPr vert="eaVert"/>
+          <a:lstStyle/>
+          <a:p>
+            <a:pPr lvl="0"/>
+            <a:r>
+              <a:rPr lang="es-ES"/>
+              <a:t>Editar el estilo de texto del patrón</a:t>
+            </a:r>
+          </a:p>
+          <a:p>
+            <a:pPr lvl="1"/>
+            <a:r>
+              <a:rPr lang="es-ES"/>
+              <a:t>Segundo nivel</a:t>
+            </a:r>
+          </a:p>
+          <a:p>
+            <a:pPr lvl="2"/>
+            <a:r>
+              <a:rPr lang="es-ES"/>
+              <a:t>Tercer nivel</a:t>
+            </a:r>
+          </a:p>
+          <a:p>
+            <a:pPr lvl="3"/>
+            <a:r>
+              <a:rPr lang="es-ES"/>
+              <a:t>Cuarto nivel</a:t>
+            </a:r>
+          </a:p>
+          <a:p>
+            <a:pPr lvl="4"/>
+            <a:r>
+              <a:rPr lang="es-ES"/>
+              <a:t>Quinto nivel</a:t>
+            </a:r>
+          </a:p>
+        </p:txBody>
+      </p:sp>
+      <p:sp>
+        <p:nvSpPr>
+          <p:cNvPr id="4" name="Marcador de fecha 3"/>
+          <p:cNvSpPr>
+            <a:spLocks noGrp="1"/>
+          </p:cNvSpPr>
+          <p:nvPr>
+            <p:ph type="dt" sz="half" idx="10"/>
+          </p:nvPr>
+        </p:nvSpPr>
+        <p:spPr/>
+        <p:txBody>
+          <a:bodyPr/>
+          <a:lstStyle/>
+          <a:p>
+            <a:fld id="{B951A33D-190D-42DB-9BC7-255E6333FEAF}" type="datetimeFigureOut">
+              <a:rPr lang="es-ES" smtClean="0">
+                <a:solidFill>
+                  <a:prstClr val="black">
+                    <a:tint val="75000"/>
+                  </a:prstClr>
+                </a:solidFill>
+              </a:rPr>
+              <a:pPr/>
+              <a:t>25/11/2016</a:t>
+            </a:fld>
+            <a:endParaRPr lang="es-ES">
+              <a:solidFill>
+                <a:prstClr val="black">
+                  <a:tint val="75000"/>
+                </a:prstClr>
+              </a:solidFill>
+            </a:endParaRPr>
+          </a:p>
+        </p:txBody>
+      </p:sp>
+      <p:sp>
+        <p:nvSpPr>
+          <p:cNvPr id="5" name="Marcador de pie de página 4"/>
+          <p:cNvSpPr>
+            <a:spLocks noGrp="1"/>
+          </p:cNvSpPr>
+          <p:nvPr>
+            <p:ph type="ftr" sz="quarter" idx="11"/>
+          </p:nvPr>
+        </p:nvSpPr>
+        <p:spPr/>
+        <p:txBody>
+          <a:bodyPr/>
+          <a:lstStyle/>
+          <a:p>
+            <a:endParaRPr lang="es-ES">
+              <a:solidFill>
+                <a:prstClr val="black">
+                  <a:tint val="75000"/>
+                </a:prstClr>
+              </a:solidFill>
+            </a:endParaRPr>
+          </a:p>
+        </p:txBody>
+      </p:sp>
+      <p:sp>
+        <p:nvSpPr>
+          <p:cNvPr id="6" name="Marcador de número de diapositiva 5"/>
+          <p:cNvSpPr>
+            <a:spLocks noGrp="1"/>
+          </p:cNvSpPr>
+          <p:nvPr>
+            <p:ph type="sldNum" sz="quarter" idx="12"/>
+          </p:nvPr>
+        </p:nvSpPr>
+        <p:spPr/>
+        <p:txBody>
+          <a:bodyPr/>
+          <a:lstStyle/>
+          <a:p>
+            <a:fld id="{99A6B0C4-5637-4DCA-8818-0CDAF03C39DB}" type="slidenum">
+              <a:rPr lang="es-ES" smtClean="0">
+                <a:solidFill>
+                  <a:prstClr val="black">
+                    <a:tint val="75000"/>
+                  </a:prstClr>
+                </a:solidFill>
+              </a:rPr>
+              <a:pPr/>
+              <a:t>‹Nº›</a:t>
+            </a:fld>
+            <a:endParaRPr lang="es-ES">
+              <a:solidFill>
+                <a:prstClr val="black">
+                  <a:tint val="75000"/>
+                </a:prstClr>
+              </a:solidFill>
+            </a:endParaRPr>
+          </a:p>
+        </p:txBody>
+      </p:sp>
+    </p:spTree>
+    <p:extLst>
+      <p:ext uri="{BB962C8B-B14F-4D97-AF65-F5344CB8AC3E}">
+        <p14:creationId xmlns:p14="http://schemas.microsoft.com/office/powerpoint/2010/main" val="1438056155"/>
       </p:ext>
     </p:extLst>
   </p:cSld>
@@ -2649,6 +5284,576 @@
     <p:sldLayoutId id="2147483657" r:id="rId9"/>
     <p:sldLayoutId id="2147483658" r:id="rId10"/>
     <p:sldLayoutId id="2147483659" r:id="rId11"/>
+  </p:sldLayoutIdLst>
+  <p:txStyles>
+    <p:titleStyle>
+      <a:lvl1pPr algn="l" defTabSz="914400" rtl="0" eaLnBrk="1" latinLnBrk="0" hangingPunct="1">
+        <a:lnSpc>
+          <a:spcPct val="90000"/>
+        </a:lnSpc>
+        <a:spcBef>
+          <a:spcPct val="0"/>
+        </a:spcBef>
+        <a:buNone/>
+        <a:defRPr sz="4400" kern="1200">
+          <a:solidFill>
+            <a:schemeClr val="tx1"/>
+          </a:solidFill>
+          <a:latin typeface="+mj-lt"/>
+          <a:ea typeface="+mj-ea"/>
+          <a:cs typeface="+mj-cs"/>
+        </a:defRPr>
+      </a:lvl1pPr>
+    </p:titleStyle>
+    <p:bodyStyle>
+      <a:lvl1pPr marL="228600" indent="-228600" algn="l" defTabSz="914400" rtl="0" eaLnBrk="1" latinLnBrk="0" hangingPunct="1">
+        <a:lnSpc>
+          <a:spcPct val="90000"/>
+        </a:lnSpc>
+        <a:spcBef>
+          <a:spcPts val="1000"/>
+        </a:spcBef>
+        <a:buFont typeface="Arial" panose="020B0604020202020204" pitchFamily="34" charset="0"/>
+        <a:buChar char="•"/>
+        <a:defRPr sz="2800" kern="1200">
+          <a:solidFill>
+            <a:schemeClr val="tx1"/>
+          </a:solidFill>
+          <a:latin typeface="+mn-lt"/>
+          <a:ea typeface="+mn-ea"/>
+          <a:cs typeface="+mn-cs"/>
+        </a:defRPr>
+      </a:lvl1pPr>
+      <a:lvl2pPr marL="685800" indent="-228600" algn="l" defTabSz="914400" rtl="0" eaLnBrk="1" latinLnBrk="0" hangingPunct="1">
+        <a:lnSpc>
+          <a:spcPct val="90000"/>
+        </a:lnSpc>
+        <a:spcBef>
+          <a:spcPts val="500"/>
+        </a:spcBef>
+        <a:buFont typeface="Arial" panose="020B0604020202020204" pitchFamily="34" charset="0"/>
+        <a:buChar char="•"/>
+        <a:defRPr sz="2400" kern="1200">
+          <a:solidFill>
+            <a:schemeClr val="tx1"/>
+          </a:solidFill>
+          <a:latin typeface="+mn-lt"/>
+          <a:ea typeface="+mn-ea"/>
+          <a:cs typeface="+mn-cs"/>
+        </a:defRPr>
+      </a:lvl2pPr>
+      <a:lvl3pPr marL="1143000" indent="-228600" algn="l" defTabSz="914400" rtl="0" eaLnBrk="1" latinLnBrk="0" hangingPunct="1">
+        <a:lnSpc>
+          <a:spcPct val="90000"/>
+        </a:lnSpc>
+        <a:spcBef>
+          <a:spcPts val="500"/>
+        </a:spcBef>
+        <a:buFont typeface="Arial" panose="020B0604020202020204" pitchFamily="34" charset="0"/>
+        <a:buChar char="•"/>
+        <a:defRPr sz="2000" kern="1200">
+          <a:solidFill>
+            <a:schemeClr val="tx1"/>
+          </a:solidFill>
+          <a:latin typeface="+mn-lt"/>
+          <a:ea typeface="+mn-ea"/>
+          <a:cs typeface="+mn-cs"/>
+        </a:defRPr>
+      </a:lvl3pPr>
+      <a:lvl4pPr marL="1600200" indent="-228600" algn="l" defTabSz="914400" rtl="0" eaLnBrk="1" latinLnBrk="0" hangingPunct="1">
+        <a:lnSpc>
+          <a:spcPct val="90000"/>
+        </a:lnSpc>
+        <a:spcBef>
+          <a:spcPts val="500"/>
+        </a:spcBef>
+        <a:buFont typeface="Arial" panose="020B0604020202020204" pitchFamily="34" charset="0"/>
+        <a:buChar char="•"/>
+        <a:defRPr sz="1800" kern="1200">
+          <a:solidFill>
+            <a:schemeClr val="tx1"/>
+          </a:solidFill>
+          <a:latin typeface="+mn-lt"/>
+          <a:ea typeface="+mn-ea"/>
+          <a:cs typeface="+mn-cs"/>
+        </a:defRPr>
+      </a:lvl4pPr>
+      <a:lvl5pPr marL="2057400" indent="-228600" algn="l" defTabSz="914400" rtl="0" eaLnBrk="1" latinLnBrk="0" hangingPunct="1">
+        <a:lnSpc>
+          <a:spcPct val="90000"/>
+        </a:lnSpc>
+        <a:spcBef>
+          <a:spcPts val="500"/>
+        </a:spcBef>
+        <a:buFont typeface="Arial" panose="020B0604020202020204" pitchFamily="34" charset="0"/>
+        <a:buChar char="•"/>
+        <a:defRPr sz="1800" kern="1200">
+          <a:solidFill>
+            <a:schemeClr val="tx1"/>
+          </a:solidFill>
+          <a:latin typeface="+mn-lt"/>
+          <a:ea typeface="+mn-ea"/>
+          <a:cs typeface="+mn-cs"/>
+        </a:defRPr>
+      </a:lvl5pPr>
+      <a:lvl6pPr marL="2514600" indent="-228600" algn="l" defTabSz="914400" rtl="0" eaLnBrk="1" latinLnBrk="0" hangingPunct="1">
+        <a:lnSpc>
+          <a:spcPct val="90000"/>
+        </a:lnSpc>
+        <a:spcBef>
+          <a:spcPts val="500"/>
+        </a:spcBef>
+        <a:buFont typeface="Arial" panose="020B0604020202020204" pitchFamily="34" charset="0"/>
+        <a:buChar char="•"/>
+        <a:defRPr sz="1800" kern="1200">
+          <a:solidFill>
+            <a:schemeClr val="tx1"/>
+          </a:solidFill>
+          <a:latin typeface="+mn-lt"/>
+          <a:ea typeface="+mn-ea"/>
+          <a:cs typeface="+mn-cs"/>
+        </a:defRPr>
+      </a:lvl6pPr>
+      <a:lvl7pPr marL="2971800" indent="-228600" algn="l" defTabSz="914400" rtl="0" eaLnBrk="1" latinLnBrk="0" hangingPunct="1">
+        <a:lnSpc>
+          <a:spcPct val="90000"/>
+        </a:lnSpc>
+        <a:spcBef>
+          <a:spcPts val="500"/>
+        </a:spcBef>
+        <a:buFont typeface="Arial" panose="020B0604020202020204" pitchFamily="34" charset="0"/>
+        <a:buChar char="•"/>
+        <a:defRPr sz="1800" kern="1200">
+          <a:solidFill>
+            <a:schemeClr val="tx1"/>
+          </a:solidFill>
+          <a:latin typeface="+mn-lt"/>
+          <a:ea typeface="+mn-ea"/>
+          <a:cs typeface="+mn-cs"/>
+        </a:defRPr>
+      </a:lvl7pPr>
+      <a:lvl8pPr marL="3429000" indent="-228600" algn="l" defTabSz="914400" rtl="0" eaLnBrk="1" latinLnBrk="0" hangingPunct="1">
+        <a:lnSpc>
+          <a:spcPct val="90000"/>
+        </a:lnSpc>
+        <a:spcBef>
+          <a:spcPts val="500"/>
+        </a:spcBef>
+        <a:buFont typeface="Arial" panose="020B0604020202020204" pitchFamily="34" charset="0"/>
+        <a:buChar char="•"/>
+        <a:defRPr sz="1800" kern="1200">
+          <a:solidFill>
+            <a:schemeClr val="tx1"/>
+          </a:solidFill>
+          <a:latin typeface="+mn-lt"/>
+          <a:ea typeface="+mn-ea"/>
+          <a:cs typeface="+mn-cs"/>
+        </a:defRPr>
+      </a:lvl8pPr>
+      <a:lvl9pPr marL="3886200" indent="-228600" algn="l" defTabSz="914400" rtl="0" eaLnBrk="1" latinLnBrk="0" hangingPunct="1">
+        <a:lnSpc>
+          <a:spcPct val="90000"/>
+        </a:lnSpc>
+        <a:spcBef>
+          <a:spcPts val="500"/>
+        </a:spcBef>
+        <a:buFont typeface="Arial" panose="020B0604020202020204" pitchFamily="34" charset="0"/>
+        <a:buChar char="•"/>
+        <a:defRPr sz="1800" kern="1200">
+          <a:solidFill>
+            <a:schemeClr val="tx1"/>
+          </a:solidFill>
+          <a:latin typeface="+mn-lt"/>
+          <a:ea typeface="+mn-ea"/>
+          <a:cs typeface="+mn-cs"/>
+        </a:defRPr>
+      </a:lvl9pPr>
+    </p:bodyStyle>
+    <p:otherStyle>
+      <a:defPPr>
+        <a:defRPr lang="es-ES"/>
+      </a:defPPr>
+      <a:lvl1pPr marL="0" algn="l" defTabSz="914400" rtl="0" eaLnBrk="1" latinLnBrk="0" hangingPunct="1">
+        <a:defRPr sz="1800" kern="1200">
+          <a:solidFill>
+            <a:schemeClr val="tx1"/>
+          </a:solidFill>
+          <a:latin typeface="+mn-lt"/>
+          <a:ea typeface="+mn-ea"/>
+          <a:cs typeface="+mn-cs"/>
+        </a:defRPr>
+      </a:lvl1pPr>
+      <a:lvl2pPr marL="457200" algn="l" defTabSz="914400" rtl="0" eaLnBrk="1" latinLnBrk="0" hangingPunct="1">
+        <a:defRPr sz="1800" kern="1200">
+          <a:solidFill>
+            <a:schemeClr val="tx1"/>
+          </a:solidFill>
+          <a:latin typeface="+mn-lt"/>
+          <a:ea typeface="+mn-ea"/>
+          <a:cs typeface="+mn-cs"/>
+        </a:defRPr>
+      </a:lvl2pPr>
+      <a:lvl3pPr marL="914400" algn="l" defTabSz="914400" rtl="0" eaLnBrk="1" latinLnBrk="0" hangingPunct="1">
+        <a:defRPr sz="1800" kern="1200">
+          <a:solidFill>
+            <a:schemeClr val="tx1"/>
+          </a:solidFill>
+          <a:latin typeface="+mn-lt"/>
+          <a:ea typeface="+mn-ea"/>
+          <a:cs typeface="+mn-cs"/>
+        </a:defRPr>
+      </a:lvl3pPr>
+      <a:lvl4pPr marL="1371600" algn="l" defTabSz="914400" rtl="0" eaLnBrk="1" latinLnBrk="0" hangingPunct="1">
+        <a:defRPr sz="1800" kern="1200">
+          <a:solidFill>
+            <a:schemeClr val="tx1"/>
+          </a:solidFill>
+          <a:latin typeface="+mn-lt"/>
+          <a:ea typeface="+mn-ea"/>
+          <a:cs typeface="+mn-cs"/>
+        </a:defRPr>
+      </a:lvl4pPr>
+      <a:lvl5pPr marL="1828800" algn="l" defTabSz="914400" rtl="0" eaLnBrk="1" latinLnBrk="0" hangingPunct="1">
+        <a:defRPr sz="1800" kern="1200">
+          <a:solidFill>
+            <a:schemeClr val="tx1"/>
+          </a:solidFill>
+          <a:latin typeface="+mn-lt"/>
+          <a:ea typeface="+mn-ea"/>
+          <a:cs typeface="+mn-cs"/>
+        </a:defRPr>
+      </a:lvl5pPr>
+      <a:lvl6pPr marL="2286000" algn="l" defTabSz="914400" rtl="0" eaLnBrk="1" latinLnBrk="0" hangingPunct="1">
+        <a:defRPr sz="1800" kern="1200">
+          <a:solidFill>
+            <a:schemeClr val="tx1"/>
+          </a:solidFill>
+          <a:latin typeface="+mn-lt"/>
+          <a:ea typeface="+mn-ea"/>
+          <a:cs typeface="+mn-cs"/>
+        </a:defRPr>
+      </a:lvl6pPr>
+      <a:lvl7pPr marL="2743200" algn="l" defTabSz="914400" rtl="0" eaLnBrk="1" latinLnBrk="0" hangingPunct="1">
+        <a:defRPr sz="1800" kern="1200">
+          <a:solidFill>
+            <a:schemeClr val="tx1"/>
+          </a:solidFill>
+          <a:latin typeface="+mn-lt"/>
+          <a:ea typeface="+mn-ea"/>
+          <a:cs typeface="+mn-cs"/>
+        </a:defRPr>
+      </a:lvl7pPr>
+      <a:lvl8pPr marL="3200400" algn="l" defTabSz="914400" rtl="0" eaLnBrk="1" latinLnBrk="0" hangingPunct="1">
+        <a:defRPr sz="1800" kern="1200">
+          <a:solidFill>
+            <a:schemeClr val="tx1"/>
+          </a:solidFill>
+          <a:latin typeface="+mn-lt"/>
+          <a:ea typeface="+mn-ea"/>
+          <a:cs typeface="+mn-cs"/>
+        </a:defRPr>
+      </a:lvl8pPr>
+      <a:lvl9pPr marL="3657600" algn="l" defTabSz="914400" rtl="0" eaLnBrk="1" latinLnBrk="0" hangingPunct="1">
+        <a:defRPr sz="1800" kern="1200">
+          <a:solidFill>
+            <a:schemeClr val="tx1"/>
+          </a:solidFill>
+          <a:latin typeface="+mn-lt"/>
+          <a:ea typeface="+mn-ea"/>
+          <a:cs typeface="+mn-cs"/>
+        </a:defRPr>
+      </a:lvl9pPr>
+    </p:otherStyle>
+  </p:txStyles>
+</p:sldMaster>
+</file>
+
+<file path=ppt/slideMasters/slideMaster2.xml><?xml version="1.0" encoding="utf-8"?>
+<p:sldMaster xmlns:a="http://schemas.openxmlformats.org/drawingml/2006/main" xmlns:r="http://schemas.openxmlformats.org/officeDocument/2006/relationships" xmlns:p="http://schemas.openxmlformats.org/presentationml/2006/main">
+  <p:cSld>
+    <p:bg>
+      <p:bgRef idx="1001">
+        <a:schemeClr val="bg1"/>
+      </p:bgRef>
+    </p:bg>
+    <p:spTree>
+      <p:nvGrpSpPr>
+        <p:cNvPr id="1" name=""/>
+        <p:cNvGrpSpPr/>
+        <p:nvPr/>
+      </p:nvGrpSpPr>
+      <p:grpSpPr>
+        <a:xfrm>
+          <a:off x="0" y="0"/>
+          <a:ext cx="0" cy="0"/>
+          <a:chOff x="0" y="0"/>
+          <a:chExt cx="0" cy="0"/>
+        </a:xfrm>
+      </p:grpSpPr>
+      <p:sp>
+        <p:nvSpPr>
+          <p:cNvPr id="2" name="Marcador de título 1"/>
+          <p:cNvSpPr>
+            <a:spLocks noGrp="1"/>
+          </p:cNvSpPr>
+          <p:nvPr>
+            <p:ph type="title"/>
+          </p:nvPr>
+        </p:nvSpPr>
+        <p:spPr>
+          <a:xfrm>
+            <a:off x="838200" y="365125"/>
+            <a:ext cx="10515600" cy="1325563"/>
+          </a:xfrm>
+          <a:prstGeom prst="rect">
+            <a:avLst/>
+          </a:prstGeom>
+        </p:spPr>
+        <p:txBody>
+          <a:bodyPr vert="horz" lIns="91440" tIns="45720" rIns="91440" bIns="45720" rtlCol="0" anchor="ctr">
+            <a:normAutofit/>
+          </a:bodyPr>
+          <a:lstStyle/>
+          <a:p>
+            <a:r>
+              <a:rPr lang="es-ES"/>
+              <a:t>Haga clic para modificar el estilo de título del patrón</a:t>
+            </a:r>
+          </a:p>
+        </p:txBody>
+      </p:sp>
+      <p:sp>
+        <p:nvSpPr>
+          <p:cNvPr id="3" name="Marcador de texto 2"/>
+          <p:cNvSpPr>
+            <a:spLocks noGrp="1"/>
+          </p:cNvSpPr>
+          <p:nvPr>
+            <p:ph type="body" idx="1"/>
+          </p:nvPr>
+        </p:nvSpPr>
+        <p:spPr>
+          <a:xfrm>
+            <a:off x="838200" y="1825625"/>
+            <a:ext cx="10515600" cy="4351338"/>
+          </a:xfrm>
+          <a:prstGeom prst="rect">
+            <a:avLst/>
+          </a:prstGeom>
+        </p:spPr>
+        <p:txBody>
+          <a:bodyPr vert="horz" lIns="91440" tIns="45720" rIns="91440" bIns="45720" rtlCol="0">
+            <a:normAutofit/>
+          </a:bodyPr>
+          <a:lstStyle/>
+          <a:p>
+            <a:pPr lvl="0"/>
+            <a:r>
+              <a:rPr lang="es-ES"/>
+              <a:t>Editar el estilo de texto del patrón</a:t>
+            </a:r>
+          </a:p>
+          <a:p>
+            <a:pPr lvl="1"/>
+            <a:r>
+              <a:rPr lang="es-ES"/>
+              <a:t>Segundo nivel</a:t>
+            </a:r>
+          </a:p>
+          <a:p>
+            <a:pPr lvl="2"/>
+            <a:r>
+              <a:rPr lang="es-ES"/>
+              <a:t>Tercer nivel</a:t>
+            </a:r>
+          </a:p>
+          <a:p>
+            <a:pPr lvl="3"/>
+            <a:r>
+              <a:rPr lang="es-ES"/>
+              <a:t>Cuarto nivel</a:t>
+            </a:r>
+          </a:p>
+          <a:p>
+            <a:pPr lvl="4"/>
+            <a:r>
+              <a:rPr lang="es-ES"/>
+              <a:t>Quinto nivel</a:t>
+            </a:r>
+          </a:p>
+        </p:txBody>
+      </p:sp>
+      <p:sp>
+        <p:nvSpPr>
+          <p:cNvPr id="4" name="Marcador de fecha 3"/>
+          <p:cNvSpPr>
+            <a:spLocks noGrp="1"/>
+          </p:cNvSpPr>
+          <p:nvPr>
+            <p:ph type="dt" sz="half" idx="2"/>
+          </p:nvPr>
+        </p:nvSpPr>
+        <p:spPr>
+          <a:xfrm>
+            <a:off x="838200" y="6356350"/>
+            <a:ext cx="2743200" cy="365125"/>
+          </a:xfrm>
+          <a:prstGeom prst="rect">
+            <a:avLst/>
+          </a:prstGeom>
+        </p:spPr>
+        <p:txBody>
+          <a:bodyPr vert="horz" lIns="91440" tIns="45720" rIns="91440" bIns="45720" rtlCol="0" anchor="ctr"/>
+          <a:lstStyle>
+            <a:lvl1pPr algn="l">
+              <a:defRPr sz="1200">
+                <a:solidFill>
+                  <a:schemeClr val="tx1">
+                    <a:tint val="75000"/>
+                  </a:schemeClr>
+                </a:solidFill>
+              </a:defRPr>
+            </a:lvl1pPr>
+          </a:lstStyle>
+          <a:p>
+            <a:fld id="{B951A33D-190D-42DB-9BC7-255E6333FEAF}" type="datetimeFigureOut">
+              <a:rPr lang="es-ES" smtClean="0">
+                <a:solidFill>
+                  <a:prstClr val="black">
+                    <a:tint val="75000"/>
+                  </a:prstClr>
+                </a:solidFill>
+              </a:rPr>
+              <a:pPr/>
+              <a:t>25/11/2016</a:t>
+            </a:fld>
+            <a:endParaRPr lang="es-ES">
+              <a:solidFill>
+                <a:prstClr val="black">
+                  <a:tint val="75000"/>
+                </a:prstClr>
+              </a:solidFill>
+            </a:endParaRPr>
+          </a:p>
+        </p:txBody>
+      </p:sp>
+      <p:sp>
+        <p:nvSpPr>
+          <p:cNvPr id="5" name="Marcador de pie de página 4"/>
+          <p:cNvSpPr>
+            <a:spLocks noGrp="1"/>
+          </p:cNvSpPr>
+          <p:nvPr>
+            <p:ph type="ftr" sz="quarter" idx="3"/>
+          </p:nvPr>
+        </p:nvSpPr>
+        <p:spPr>
+          <a:xfrm>
+            <a:off x="4038600" y="6356350"/>
+            <a:ext cx="4114800" cy="365125"/>
+          </a:xfrm>
+          <a:prstGeom prst="rect">
+            <a:avLst/>
+          </a:prstGeom>
+        </p:spPr>
+        <p:txBody>
+          <a:bodyPr vert="horz" lIns="91440" tIns="45720" rIns="91440" bIns="45720" rtlCol="0" anchor="ctr"/>
+          <a:lstStyle>
+            <a:lvl1pPr algn="ctr">
+              <a:defRPr sz="1200">
+                <a:solidFill>
+                  <a:schemeClr val="tx1">
+                    <a:tint val="75000"/>
+                  </a:schemeClr>
+                </a:solidFill>
+              </a:defRPr>
+            </a:lvl1pPr>
+          </a:lstStyle>
+          <a:p>
+            <a:endParaRPr lang="es-ES">
+              <a:solidFill>
+                <a:prstClr val="black">
+                  <a:tint val="75000"/>
+                </a:prstClr>
+              </a:solidFill>
+            </a:endParaRPr>
+          </a:p>
+        </p:txBody>
+      </p:sp>
+      <p:sp>
+        <p:nvSpPr>
+          <p:cNvPr id="6" name="Marcador de número de diapositiva 5"/>
+          <p:cNvSpPr>
+            <a:spLocks noGrp="1"/>
+          </p:cNvSpPr>
+          <p:nvPr>
+            <p:ph type="sldNum" sz="quarter" idx="4"/>
+          </p:nvPr>
+        </p:nvSpPr>
+        <p:spPr>
+          <a:xfrm>
+            <a:off x="8610600" y="6356350"/>
+            <a:ext cx="2743200" cy="365125"/>
+          </a:xfrm>
+          <a:prstGeom prst="rect">
+            <a:avLst/>
+          </a:prstGeom>
+        </p:spPr>
+        <p:txBody>
+          <a:bodyPr vert="horz" lIns="91440" tIns="45720" rIns="91440" bIns="45720" rtlCol="0" anchor="ctr"/>
+          <a:lstStyle>
+            <a:lvl1pPr algn="r">
+              <a:defRPr sz="1200">
+                <a:solidFill>
+                  <a:schemeClr val="tx1">
+                    <a:tint val="75000"/>
+                  </a:schemeClr>
+                </a:solidFill>
+              </a:defRPr>
+            </a:lvl1pPr>
+          </a:lstStyle>
+          <a:p>
+            <a:fld id="{99A6B0C4-5637-4DCA-8818-0CDAF03C39DB}" type="slidenum">
+              <a:rPr lang="es-ES" smtClean="0">
+                <a:solidFill>
+                  <a:prstClr val="black">
+                    <a:tint val="75000"/>
+                  </a:prstClr>
+                </a:solidFill>
+              </a:rPr>
+              <a:pPr/>
+              <a:t>‹Nº›</a:t>
+            </a:fld>
+            <a:endParaRPr lang="es-ES">
+              <a:solidFill>
+                <a:prstClr val="black">
+                  <a:tint val="75000"/>
+                </a:prstClr>
+              </a:solidFill>
+            </a:endParaRPr>
+          </a:p>
+        </p:txBody>
+      </p:sp>
+    </p:spTree>
+    <p:extLst>
+      <p:ext uri="{BB962C8B-B14F-4D97-AF65-F5344CB8AC3E}">
+        <p14:creationId xmlns:p14="http://schemas.microsoft.com/office/powerpoint/2010/main" val="881046011"/>
+      </p:ext>
+    </p:extLst>
+  </p:cSld>
+  <p:clrMap bg1="lt1" tx1="dk1" bg2="lt2" tx2="dk2" accent1="accent1" accent2="accent2" accent3="accent3" accent4="accent4" accent5="accent5" accent6="accent6" hlink="hlink" folHlink="folHlink"/>
+  <p:sldLayoutIdLst>
+    <p:sldLayoutId id="2147483661" r:id="rId1"/>
+    <p:sldLayoutId id="2147483662" r:id="rId2"/>
+    <p:sldLayoutId id="2147483663" r:id="rId3"/>
+    <p:sldLayoutId id="2147483664" r:id="rId4"/>
+    <p:sldLayoutId id="2147483665" r:id="rId5"/>
+    <p:sldLayoutId id="2147483666" r:id="rId6"/>
+    <p:sldLayoutId id="2147483667" r:id="rId7"/>
+    <p:sldLayoutId id="2147483668" r:id="rId8"/>
+    <p:sldLayoutId id="2147483669" r:id="rId9"/>
+    <p:sldLayoutId id="2147483670" r:id="rId10"/>
+    <p:sldLayoutId id="2147483671" r:id="rId11"/>
   </p:sldLayoutIdLst>
   <p:txStyles>
     <p:titleStyle>
@@ -2998,7 +6203,7 @@
           <p:nvPr>
             <p:extLst>
               <p:ext uri="{386F3935-93C4-4BCD-93E2-E3B085C9AB24}">
-                <p16:designElem xmlns:p16="http://schemas.microsoft.com/office/powerpoint/2015/main" val="1"/>
+                <p16:designElem xmlns:p16="http://schemas.microsoft.com/office/powerpoint/2015/main" xmlns="" val="1"/>
               </p:ext>
             </p:extLst>
           </p:nvPr>
@@ -3131,7 +6336,7 @@
           <p:nvPr>
             <p:extLst>
               <p:ext uri="{386F3935-93C4-4BCD-93E2-E3B085C9AB24}">
-                <p16:designElem xmlns:p16="http://schemas.microsoft.com/office/powerpoint/2015/main" val="1"/>
+                <p16:designElem xmlns:p16="http://schemas.microsoft.com/office/powerpoint/2015/main" xmlns="" val="1"/>
               </p:ext>
             </p:extLst>
           </p:nvPr>
@@ -3360,7 +6565,7 @@
           <p:nvPr>
             <p:extLst>
               <p:ext uri="{386F3935-93C4-4BCD-93E2-E3B085C9AB24}">
-                <p16:designElem xmlns:p16="http://schemas.microsoft.com/office/powerpoint/2015/main" val="1"/>
+                <p16:designElem xmlns:p16="http://schemas.microsoft.com/office/powerpoint/2015/main" xmlns="" val="1"/>
               </p:ext>
             </p:extLst>
           </p:nvPr>
@@ -3414,7 +6619,7 @@
           <p:nvPr>
             <p:extLst>
               <p:ext uri="{386F3935-93C4-4BCD-93E2-E3B085C9AB24}">
-                <p16:designElem xmlns:p16="http://schemas.microsoft.com/office/powerpoint/2015/main" val="1"/>
+                <p16:designElem xmlns:p16="http://schemas.microsoft.com/office/powerpoint/2015/main" xmlns="" val="1"/>
               </p:ext>
             </p:extLst>
           </p:nvPr>
@@ -3513,7 +6718,7 @@
           <p:nvPr>
             <p:extLst>
               <p:ext uri="{386F3935-93C4-4BCD-93E2-E3B085C9AB24}">
-                <p16:designElem xmlns:p16="http://schemas.microsoft.com/office/powerpoint/2015/main" val="1"/>
+                <p16:designElem xmlns:p16="http://schemas.microsoft.com/office/powerpoint/2015/main" xmlns="" val="1"/>
               </p:ext>
             </p:extLst>
           </p:nvPr>
@@ -3944,6 +7149,354 @@
     <p:extLst>
       <p:ext uri="{BB962C8B-B14F-4D97-AF65-F5344CB8AC3E}">
         <p14:creationId xmlns:p14="http://schemas.microsoft.com/office/powerpoint/2010/main" val="84572358"/>
+      </p:ext>
+    </p:extLst>
+  </p:cSld>
+  <p:clrMapOvr>
+    <a:overrideClrMapping bg1="dk1" tx1="lt1" bg2="dk2" tx2="lt2" accent1="accent1" accent2="accent2" accent3="accent3" accent4="accent4" accent5="accent5" accent6="accent6" hlink="hlink" folHlink="folHlink"/>
+  </p:clrMapOvr>
+</p:sld>
+</file>
+
+<file path=ppt/slides/slide4.xml><?xml version="1.0" encoding="utf-8"?>
+<p:sld xmlns:a="http://schemas.openxmlformats.org/drawingml/2006/main" xmlns:r="http://schemas.openxmlformats.org/officeDocument/2006/relationships" xmlns:p="http://schemas.openxmlformats.org/presentationml/2006/main">
+  <p:cSld>
+    <p:spTree>
+      <p:nvGrpSpPr>
+        <p:cNvPr id="1" name=""/>
+        <p:cNvGrpSpPr/>
+        <p:nvPr/>
+      </p:nvGrpSpPr>
+      <p:grpSpPr>
+        <a:xfrm>
+          <a:off x="0" y="0"/>
+          <a:ext cx="0" cy="0"/>
+          <a:chOff x="0" y="0"/>
+          <a:chExt cx="0" cy="0"/>
+        </a:xfrm>
+      </p:grpSpPr>
+      <p:sp>
+        <p:nvSpPr>
+          <p:cNvPr id="5" name="Rectangle 4"/>
+          <p:cNvSpPr>
+            <a:spLocks noGrp="1" noRot="1" noChangeAspect="1" noMove="1" noResize="1" noEditPoints="1" noAdjustHandles="1" noChangeArrowheads="1" noChangeShapeType="1" noTextEdit="1"/>
+          </p:cNvSpPr>
+          <p:nvPr>
+            <p:extLst>
+              <p:ext uri="{386F3935-93C4-4BCD-93E2-E3B085C9AB24}">
+                <p16:designElem xmlns:p16="http://schemas.microsoft.com/office/powerpoint/2015/main" xmlns="" val="1"/>
+              </p:ext>
+            </p:extLst>
+          </p:nvPr>
+        </p:nvSpPr>
+        <p:spPr>
+          <a:xfrm>
+            <a:off x="0" y="-3324"/>
+            <a:ext cx="12192000" cy="6861324"/>
+          </a:xfrm>
+          <a:prstGeom prst="rect">
+            <a:avLst/>
+          </a:prstGeom>
+          <a:solidFill>
+            <a:srgbClr val="404040"/>
+          </a:solidFill>
+          <a:ln>
+            <a:noFill/>
+          </a:ln>
+        </p:spPr>
+        <p:style>
+          <a:lnRef idx="2">
+            <a:schemeClr val="accent1">
+              <a:shade val="50000"/>
+            </a:schemeClr>
+          </a:lnRef>
+          <a:fillRef idx="1">
+            <a:schemeClr val="accent1"/>
+          </a:fillRef>
+          <a:effectRef idx="0">
+            <a:schemeClr val="accent1"/>
+          </a:effectRef>
+          <a:fontRef idx="minor">
+            <a:schemeClr val="lt1"/>
+          </a:fontRef>
+        </p:style>
+        <p:txBody>
+          <a:bodyPr rtlCol="0" anchor="ctr"/>
+          <a:lstStyle/>
+          <a:p>
+            <a:pPr algn="ctr"/>
+            <a:endParaRPr lang="en-US">
+              <a:solidFill>
+                <a:prstClr val="white"/>
+              </a:solidFill>
+            </a:endParaRPr>
+          </a:p>
+        </p:txBody>
+      </p:sp>
+      <p:sp>
+        <p:nvSpPr>
+          <p:cNvPr id="6" name="Freeform 13"/>
+          <p:cNvSpPr>
+            <a:spLocks noGrp="1" noRot="1" noChangeAspect="1" noMove="1" noResize="1" noEditPoints="1" noAdjustHandles="1" noChangeArrowheads="1" noChangeShapeType="1" noTextEdit="1"/>
+          </p:cNvSpPr>
+          <p:nvPr>
+            <p:extLst>
+              <p:ext uri="{386F3935-93C4-4BCD-93E2-E3B085C9AB24}">
+                <p16:designElem xmlns:p16="http://schemas.microsoft.com/office/powerpoint/2015/main" xmlns="" val="1"/>
+              </p:ext>
+            </p:extLst>
+          </p:nvPr>
+        </p:nvSpPr>
+        <p:spPr>
+          <a:xfrm>
+            <a:off x="0" y="0"/>
+            <a:ext cx="11786754" cy="6858000"/>
+          </a:xfrm>
+          <a:custGeom>
+            <a:avLst/>
+            <a:gdLst>
+              <a:gd name="connsiteX0" fmla="*/ 0 w 11786754"/>
+              <a:gd name="connsiteY0" fmla="*/ 0 h 6858000"/>
+              <a:gd name="connsiteX1" fmla="*/ 8610600 w 11786754"/>
+              <a:gd name="connsiteY1" fmla="*/ 0 h 6858000"/>
+              <a:gd name="connsiteX2" fmla="*/ 11786754 w 11786754"/>
+              <a:gd name="connsiteY2" fmla="*/ 6858000 h 6858000"/>
+              <a:gd name="connsiteX3" fmla="*/ 0 w 11786754"/>
+              <a:gd name="connsiteY3" fmla="*/ 6858000 h 6858000"/>
+            </a:gdLst>
+            <a:ahLst/>
+            <a:cxnLst>
+              <a:cxn ang="0">
+                <a:pos x="connsiteX0" y="connsiteY0"/>
+              </a:cxn>
+              <a:cxn ang="0">
+                <a:pos x="connsiteX1" y="connsiteY1"/>
+              </a:cxn>
+              <a:cxn ang="0">
+                <a:pos x="connsiteX2" y="connsiteY2"/>
+              </a:cxn>
+              <a:cxn ang="0">
+                <a:pos x="connsiteX3" y="connsiteY3"/>
+              </a:cxn>
+            </a:cxnLst>
+            <a:rect l="l" t="t" r="r" b="b"/>
+            <a:pathLst>
+              <a:path w="11786754" h="6858000">
+                <a:moveTo>
+                  <a:pt x="0" y="0"/>
+                </a:moveTo>
+                <a:lnTo>
+                  <a:pt x="8610600" y="0"/>
+                </a:lnTo>
+                <a:lnTo>
+                  <a:pt x="11786754" y="6858000"/>
+                </a:lnTo>
+                <a:lnTo>
+                  <a:pt x="0" y="6858000"/>
+                </a:lnTo>
+                <a:close/>
+              </a:path>
+            </a:pathLst>
+          </a:custGeom>
+          <a:solidFill>
+            <a:schemeClr val="bg1">
+              <a:alpha val="30000"/>
+            </a:schemeClr>
+          </a:solidFill>
+          <a:ln>
+            <a:noFill/>
+          </a:ln>
+        </p:spPr>
+        <p:style>
+          <a:lnRef idx="2">
+            <a:schemeClr val="accent1">
+              <a:shade val="50000"/>
+            </a:schemeClr>
+          </a:lnRef>
+          <a:fillRef idx="1">
+            <a:schemeClr val="accent1"/>
+          </a:fillRef>
+          <a:effectRef idx="0">
+            <a:schemeClr val="accent1"/>
+          </a:effectRef>
+          <a:fontRef idx="minor">
+            <a:schemeClr val="lt1"/>
+          </a:fontRef>
+        </p:style>
+        <p:txBody>
+          <a:bodyPr rtlCol="0" anchor="ctr"/>
+          <a:lstStyle/>
+          <a:p>
+            <a:pPr algn="ctr"/>
+            <a:endParaRPr lang="en-US">
+              <a:solidFill>
+                <a:prstClr val="white"/>
+              </a:solidFill>
+            </a:endParaRPr>
+          </a:p>
+        </p:txBody>
+      </p:sp>
+      <p:sp>
+        <p:nvSpPr>
+          <p:cNvPr id="7" name="Freeform 11"/>
+          <p:cNvSpPr>
+            <a:spLocks noGrp="1" noRot="1" noChangeAspect="1" noMove="1" noResize="1" noEditPoints="1" noAdjustHandles="1" noChangeArrowheads="1" noChangeShapeType="1" noTextEdit="1"/>
+          </p:cNvSpPr>
+          <p:nvPr>
+            <p:extLst>
+              <p:ext uri="{386F3935-93C4-4BCD-93E2-E3B085C9AB24}">
+                <p16:designElem xmlns:p16="http://schemas.microsoft.com/office/powerpoint/2015/main" xmlns="" val="1"/>
+              </p:ext>
+            </p:extLst>
+          </p:nvPr>
+        </p:nvSpPr>
+        <p:spPr>
+          <a:xfrm>
+            <a:off x="0" y="0"/>
+            <a:ext cx="3581400" cy="6858000"/>
+          </a:xfrm>
+          <a:custGeom>
+            <a:avLst/>
+            <a:gdLst>
+              <a:gd name="connsiteX0" fmla="*/ 0 w 3581400"/>
+              <a:gd name="connsiteY0" fmla="*/ 0 h 6858000"/>
+              <a:gd name="connsiteX1" fmla="*/ 405246 w 3581400"/>
+              <a:gd name="connsiteY1" fmla="*/ 0 h 6858000"/>
+              <a:gd name="connsiteX2" fmla="*/ 3581400 w 3581400"/>
+              <a:gd name="connsiteY2" fmla="*/ 6858000 h 6858000"/>
+              <a:gd name="connsiteX3" fmla="*/ 0 w 3581400"/>
+              <a:gd name="connsiteY3" fmla="*/ 6858000 h 6858000"/>
+            </a:gdLst>
+            <a:ahLst/>
+            <a:cxnLst>
+              <a:cxn ang="0">
+                <a:pos x="connsiteX0" y="connsiteY0"/>
+              </a:cxn>
+              <a:cxn ang="0">
+                <a:pos x="connsiteX1" y="connsiteY1"/>
+              </a:cxn>
+              <a:cxn ang="0">
+                <a:pos x="connsiteX2" y="connsiteY2"/>
+              </a:cxn>
+              <a:cxn ang="0">
+                <a:pos x="connsiteX3" y="connsiteY3"/>
+              </a:cxn>
+            </a:cxnLst>
+            <a:rect l="l" t="t" r="r" b="b"/>
+            <a:pathLst>
+              <a:path w="3581400" h="6858000">
+                <a:moveTo>
+                  <a:pt x="0" y="0"/>
+                </a:moveTo>
+                <a:lnTo>
+                  <a:pt x="405246" y="0"/>
+                </a:lnTo>
+                <a:lnTo>
+                  <a:pt x="3581400" y="6858000"/>
+                </a:lnTo>
+                <a:lnTo>
+                  <a:pt x="0" y="6858000"/>
+                </a:lnTo>
+                <a:close/>
+              </a:path>
+            </a:pathLst>
+          </a:custGeom>
+          <a:solidFill>
+            <a:schemeClr val="bg1">
+              <a:alpha val="30000"/>
+            </a:schemeClr>
+          </a:solidFill>
+          <a:ln>
+            <a:noFill/>
+          </a:ln>
+        </p:spPr>
+        <p:style>
+          <a:lnRef idx="2">
+            <a:schemeClr val="accent1">
+              <a:shade val="50000"/>
+            </a:schemeClr>
+          </a:lnRef>
+          <a:fillRef idx="1">
+            <a:schemeClr val="accent1"/>
+          </a:fillRef>
+          <a:effectRef idx="0">
+            <a:schemeClr val="accent1"/>
+          </a:effectRef>
+          <a:fontRef idx="minor">
+            <a:schemeClr val="lt1"/>
+          </a:fontRef>
+        </p:style>
+        <p:txBody>
+          <a:bodyPr wrap="square" rtlCol="0" anchor="ctr">
+            <a:noAutofit/>
+          </a:bodyPr>
+          <a:lstStyle/>
+          <a:p>
+            <a:pPr algn="ctr"/>
+            <a:endParaRPr lang="en-US">
+              <a:solidFill>
+                <a:prstClr val="white"/>
+              </a:solidFill>
+            </a:endParaRPr>
+          </a:p>
+        </p:txBody>
+      </p:sp>
+      <p:pic>
+        <p:nvPicPr>
+          <p:cNvPr id="2050" name="Picture 2"/>
+          <p:cNvPicPr>
+            <a:picLocks noChangeAspect="1" noChangeArrowheads="1"/>
+          </p:cNvPicPr>
+          <p:nvPr/>
+        </p:nvPicPr>
+        <p:blipFill rotWithShape="1">
+          <a:blip r:embed="rId2">
+            <a:extLst>
+              <a:ext uri="{28A0092B-C50C-407E-A947-70E740481C1C}">
+                <a14:useLocalDpi xmlns:a14="http://schemas.microsoft.com/office/drawing/2010/main" val="0"/>
+              </a:ext>
+            </a:extLst>
+          </a:blip>
+          <a:srcRect t="1061" r="733" b="1061"/>
+          <a:stretch/>
+        </p:blipFill>
+        <p:spPr bwMode="auto">
+          <a:xfrm>
+            <a:off x="1576387" y="133350"/>
+            <a:ext cx="9039225" cy="6591300"/>
+          </a:xfrm>
+          <a:prstGeom prst="rect">
+            <a:avLst/>
+          </a:prstGeom>
+          <a:noFill/>
+          <a:ln>
+            <a:noFill/>
+          </a:ln>
+          <a:extLst>
+            <a:ext uri="{909E8E84-426E-40DD-AFC4-6F175D3DCCD1}">
+              <a14:hiddenFill xmlns:a14="http://schemas.microsoft.com/office/drawing/2010/main">
+                <a:solidFill>
+                  <a:schemeClr val="accent1"/>
+                </a:solidFill>
+              </a14:hiddenFill>
+            </a:ext>
+            <a:ext uri="{91240B29-F687-4F45-9708-019B960494DF}">
+              <a14:hiddenLine xmlns:a14="http://schemas.microsoft.com/office/drawing/2010/main" w="9525">
+                <a:solidFill>
+                  <a:schemeClr val="tx1"/>
+                </a:solidFill>
+                <a:miter lim="800000"/>
+                <a:headEnd/>
+                <a:tailEnd/>
+              </a14:hiddenLine>
+            </a:ext>
+          </a:extLst>
+        </p:spPr>
+      </p:pic>
+    </p:spTree>
+    <p:extLst>
+      <p:ext uri="{BB962C8B-B14F-4D97-AF65-F5344CB8AC3E}">
+        <p14:creationId xmlns:p14="http://schemas.microsoft.com/office/powerpoint/2010/main" val="725832352"/>
       </p:ext>
     </p:extLst>
   </p:cSld>
@@ -4242,7 +7795,302 @@
   <a:extraClrSchemeLst/>
   <a:extLst>
     <a:ext uri="{05A4C25C-085E-4340-85A3-A5531E510DB2}">
-      <thm15:themeFamily xmlns:thm15="http://schemas.microsoft.com/office/thememl/2012/main" name="Office Theme" id="{62F939B6-93AF-4DB8-9C6B-D6C7DFDC589F}" vid="{4A3C46E8-61CC-4603-A589-7422A47A8E4A}"/>
+      <thm15:themeFamily xmlns:thm15="http://schemas.microsoft.com/office/thememl/2012/main" xmlns="" name="Office Theme" id="{62F939B6-93AF-4DB8-9C6B-D6C7DFDC589F}" vid="{4A3C46E8-61CC-4603-A589-7422A47A8E4A}"/>
+    </a:ext>
+  </a:extLst>
+</a:theme>
+</file>
+
+<file path=ppt/theme/theme2.xml><?xml version="1.0" encoding="utf-8"?>
+<a:theme xmlns:a="http://schemas.openxmlformats.org/drawingml/2006/main" name="1_Tema de Office">
+  <a:themeElements>
+    <a:clrScheme name="Office">
+      <a:dk1>
+        <a:sysClr val="windowText" lastClr="000000"/>
+      </a:dk1>
+      <a:lt1>
+        <a:sysClr val="window" lastClr="FFFFFF"/>
+      </a:lt1>
+      <a:dk2>
+        <a:srgbClr val="44546A"/>
+      </a:dk2>
+      <a:lt2>
+        <a:srgbClr val="E7E6E6"/>
+      </a:lt2>
+      <a:accent1>
+        <a:srgbClr val="5B9BD5"/>
+      </a:accent1>
+      <a:accent2>
+        <a:srgbClr val="ED7D31"/>
+      </a:accent2>
+      <a:accent3>
+        <a:srgbClr val="A5A5A5"/>
+      </a:accent3>
+      <a:accent4>
+        <a:srgbClr val="FFC000"/>
+      </a:accent4>
+      <a:accent5>
+        <a:srgbClr val="4472C4"/>
+      </a:accent5>
+      <a:accent6>
+        <a:srgbClr val="70AD47"/>
+      </a:accent6>
+      <a:hlink>
+        <a:srgbClr val="0563C1"/>
+      </a:hlink>
+      <a:folHlink>
+        <a:srgbClr val="954F72"/>
+      </a:folHlink>
+    </a:clrScheme>
+    <a:fontScheme name="Office">
+      <a:majorFont>
+        <a:latin typeface="Calibri Light" panose="020F0302020204030204"/>
+        <a:ea typeface=""/>
+        <a:cs typeface=""/>
+        <a:font script="Jpan" typeface="游ゴシック Light"/>
+        <a:font script="Hang" typeface="맑은 고딕"/>
+        <a:font script="Hans" typeface="等线 Light"/>
+        <a:font script="Hant" typeface="新細明體"/>
+        <a:font script="Arab" typeface="Times New Roman"/>
+        <a:font script="Hebr" typeface="Times New Roman"/>
+        <a:font script="Thai" typeface="Angsana New"/>
+        <a:font script="Ethi" typeface="Nyala"/>
+        <a:font script="Beng" typeface="Vrinda"/>
+        <a:font script="Gujr" typeface="Shruti"/>
+        <a:font script="Khmr" typeface="MoolBoran"/>
+        <a:font script="Knda" typeface="Tunga"/>
+        <a:font script="Guru" typeface="Raavi"/>
+        <a:font script="Cans" typeface="Euphemia"/>
+        <a:font script="Cher" typeface="Plantagenet Cherokee"/>
+        <a:font script="Yiii" typeface="Microsoft Yi Baiti"/>
+        <a:font script="Tibt" typeface="Microsoft Himalaya"/>
+        <a:font script="Thaa" typeface="MV Boli"/>
+        <a:font script="Deva" typeface="Mangal"/>
+        <a:font script="Telu" typeface="Gautami"/>
+        <a:font script="Taml" typeface="Latha"/>
+        <a:font script="Syrc" typeface="Estrangelo Edessa"/>
+        <a:font script="Orya" typeface="Kalinga"/>
+        <a:font script="Mlym" typeface="Kartika"/>
+        <a:font script="Laoo" typeface="DokChampa"/>
+        <a:font script="Sinh" typeface="Iskoola Pota"/>
+        <a:font script="Mong" typeface="Mongolian Baiti"/>
+        <a:font script="Viet" typeface="Times New Roman"/>
+        <a:font script="Uigh" typeface="Microsoft Uighur"/>
+        <a:font script="Geor" typeface="Sylfaen"/>
+        <a:font script="Armn" typeface="Arial"/>
+        <a:font script="Bugi" typeface="Leelawadee UI"/>
+        <a:font script="Bopo" typeface="Microsoft JhengHei"/>
+        <a:font script="Java" typeface="Javanese Text"/>
+        <a:font script="Lisu" typeface="Segoe UI"/>
+        <a:font script="Mymr" typeface="Myanmar Text"/>
+        <a:font script="Nkoo" typeface="Ebrima"/>
+        <a:font script="Olck" typeface="Nirmala UI"/>
+        <a:font script="Osma" typeface="Ebrima"/>
+        <a:font script="Phag" typeface="Phagspa"/>
+        <a:font script="Syrn" typeface="Estrangelo Edessa"/>
+        <a:font script="Syrj" typeface="Estrangelo Edessa"/>
+        <a:font script="Syre" typeface="Estrangelo Edessa"/>
+        <a:font script="Sora" typeface="Nirmala UI"/>
+        <a:font script="Tale" typeface="Microsoft Tai Le"/>
+        <a:font script="Talu" typeface="Microsoft New Tai Lue"/>
+        <a:font script="Tfng" typeface="Ebrima"/>
+      </a:majorFont>
+      <a:minorFont>
+        <a:latin typeface="Calibri" panose="020F0502020204030204"/>
+        <a:ea typeface=""/>
+        <a:cs typeface=""/>
+        <a:font script="Jpan" typeface="游ゴシック"/>
+        <a:font script="Hang" typeface="맑은 고딕"/>
+        <a:font script="Hans" typeface="等线"/>
+        <a:font script="Hant" typeface="新細明體"/>
+        <a:font script="Arab" typeface="Arial"/>
+        <a:font script="Hebr" typeface="Arial"/>
+        <a:font script="Thai" typeface="Cordia New"/>
+        <a:font script="Ethi" typeface="Nyala"/>
+        <a:font script="Beng" typeface="Vrinda"/>
+        <a:font script="Gujr" typeface="Shruti"/>
+        <a:font script="Khmr" typeface="DaunPenh"/>
+        <a:font script="Knda" typeface="Tunga"/>
+        <a:font script="Guru" typeface="Raavi"/>
+        <a:font script="Cans" typeface="Euphemia"/>
+        <a:font script="Cher" typeface="Plantagenet Cherokee"/>
+        <a:font script="Yiii" typeface="Microsoft Yi Baiti"/>
+        <a:font script="Tibt" typeface="Microsoft Himalaya"/>
+        <a:font script="Thaa" typeface="MV Boli"/>
+        <a:font script="Deva" typeface="Mangal"/>
+        <a:font script="Telu" typeface="Gautami"/>
+        <a:font script="Taml" typeface="Latha"/>
+        <a:font script="Syrc" typeface="Estrangelo Edessa"/>
+        <a:font script="Orya" typeface="Kalinga"/>
+        <a:font script="Mlym" typeface="Kartika"/>
+        <a:font script="Laoo" typeface="DokChampa"/>
+        <a:font script="Sinh" typeface="Iskoola Pota"/>
+        <a:font script="Mong" typeface="Mongolian Baiti"/>
+        <a:font script="Viet" typeface="Arial"/>
+        <a:font script="Uigh" typeface="Microsoft Uighur"/>
+        <a:font script="Geor" typeface="Sylfaen"/>
+        <a:font script="Armn" typeface="Arial"/>
+        <a:font script="Bugi" typeface="Leelawadee UI"/>
+        <a:font script="Bopo" typeface="Microsoft JhengHei"/>
+        <a:font script="Java" typeface="Javanese Text"/>
+        <a:font script="Lisu" typeface="Segoe UI"/>
+        <a:font script="Mymr" typeface="Myanmar Text"/>
+        <a:font script="Nkoo" typeface="Ebrima"/>
+        <a:font script="Olck" typeface="Nirmala UI"/>
+        <a:font script="Osma" typeface="Ebrima"/>
+        <a:font script="Phag" typeface="Phagspa"/>
+        <a:font script="Syrn" typeface="Estrangelo Edessa"/>
+        <a:font script="Syrj" typeface="Estrangelo Edessa"/>
+        <a:font script="Syre" typeface="Estrangelo Edessa"/>
+        <a:font script="Sora" typeface="Nirmala UI"/>
+        <a:font script="Tale" typeface="Microsoft Tai Le"/>
+        <a:font script="Talu" typeface="Microsoft New Tai Lue"/>
+        <a:font script="Tfng" typeface="Ebrima"/>
+      </a:minorFont>
+    </a:fontScheme>
+    <a:fmtScheme name="Office">
+      <a:fillStyleLst>
+        <a:solidFill>
+          <a:schemeClr val="phClr"/>
+        </a:solidFill>
+        <a:gradFill rotWithShape="1">
+          <a:gsLst>
+            <a:gs pos="0">
+              <a:schemeClr val="phClr">
+                <a:lumMod val="110000"/>
+                <a:satMod val="105000"/>
+                <a:tint val="67000"/>
+              </a:schemeClr>
+            </a:gs>
+            <a:gs pos="50000">
+              <a:schemeClr val="phClr">
+                <a:lumMod val="105000"/>
+                <a:satMod val="103000"/>
+                <a:tint val="73000"/>
+              </a:schemeClr>
+            </a:gs>
+            <a:gs pos="100000">
+              <a:schemeClr val="phClr">
+                <a:lumMod val="105000"/>
+                <a:satMod val="109000"/>
+                <a:tint val="81000"/>
+              </a:schemeClr>
+            </a:gs>
+          </a:gsLst>
+          <a:lin ang="5400000" scaled="0"/>
+        </a:gradFill>
+        <a:gradFill rotWithShape="1">
+          <a:gsLst>
+            <a:gs pos="0">
+              <a:schemeClr val="phClr">
+                <a:satMod val="103000"/>
+                <a:lumMod val="102000"/>
+                <a:tint val="94000"/>
+              </a:schemeClr>
+            </a:gs>
+            <a:gs pos="50000">
+              <a:schemeClr val="phClr">
+                <a:satMod val="110000"/>
+                <a:lumMod val="100000"/>
+                <a:shade val="100000"/>
+              </a:schemeClr>
+            </a:gs>
+            <a:gs pos="100000">
+              <a:schemeClr val="phClr">
+                <a:lumMod val="99000"/>
+                <a:satMod val="120000"/>
+                <a:shade val="78000"/>
+              </a:schemeClr>
+            </a:gs>
+          </a:gsLst>
+          <a:lin ang="5400000" scaled="0"/>
+        </a:gradFill>
+      </a:fillStyleLst>
+      <a:lnStyleLst>
+        <a:ln w="6350" cap="flat" cmpd="sng" algn="ctr">
+          <a:solidFill>
+            <a:schemeClr val="phClr"/>
+          </a:solidFill>
+          <a:prstDash val="solid"/>
+          <a:miter lim="800000"/>
+        </a:ln>
+        <a:ln w="12700" cap="flat" cmpd="sng" algn="ctr">
+          <a:solidFill>
+            <a:schemeClr val="phClr"/>
+          </a:solidFill>
+          <a:prstDash val="solid"/>
+          <a:miter lim="800000"/>
+        </a:ln>
+        <a:ln w="19050" cap="flat" cmpd="sng" algn="ctr">
+          <a:solidFill>
+            <a:schemeClr val="phClr"/>
+          </a:solidFill>
+          <a:prstDash val="solid"/>
+          <a:miter lim="800000"/>
+        </a:ln>
+      </a:lnStyleLst>
+      <a:effectStyleLst>
+        <a:effectStyle>
+          <a:effectLst/>
+        </a:effectStyle>
+        <a:effectStyle>
+          <a:effectLst/>
+        </a:effectStyle>
+        <a:effectStyle>
+          <a:effectLst>
+            <a:outerShdw blurRad="57150" dist="19050" dir="5400000" algn="ctr" rotWithShape="0">
+              <a:srgbClr val="000000">
+                <a:alpha val="63000"/>
+              </a:srgbClr>
+            </a:outerShdw>
+          </a:effectLst>
+        </a:effectStyle>
+      </a:effectStyleLst>
+      <a:bgFillStyleLst>
+        <a:solidFill>
+          <a:schemeClr val="phClr"/>
+        </a:solidFill>
+        <a:solidFill>
+          <a:schemeClr val="phClr">
+            <a:tint val="95000"/>
+            <a:satMod val="170000"/>
+          </a:schemeClr>
+        </a:solidFill>
+        <a:gradFill rotWithShape="1">
+          <a:gsLst>
+            <a:gs pos="0">
+              <a:schemeClr val="phClr">
+                <a:tint val="93000"/>
+                <a:satMod val="150000"/>
+                <a:shade val="98000"/>
+                <a:lumMod val="102000"/>
+              </a:schemeClr>
+            </a:gs>
+            <a:gs pos="50000">
+              <a:schemeClr val="phClr">
+                <a:tint val="98000"/>
+                <a:satMod val="130000"/>
+                <a:shade val="90000"/>
+                <a:lumMod val="103000"/>
+              </a:schemeClr>
+            </a:gs>
+            <a:gs pos="100000">
+              <a:schemeClr val="phClr">
+                <a:shade val="63000"/>
+                <a:satMod val="120000"/>
+              </a:schemeClr>
+            </a:gs>
+          </a:gsLst>
+          <a:lin ang="5400000" scaled="0"/>
+        </a:gradFill>
+      </a:bgFillStyleLst>
+    </a:fmtScheme>
+  </a:themeElements>
+  <a:objectDefaults/>
+  <a:extraClrSchemeLst/>
+  <a:extLst>
+    <a:ext uri="{05A4C25C-085E-4340-85A3-A5531E510DB2}">
+      <thm15:themeFamily xmlns:thm15="http://schemas.microsoft.com/office/thememl/2012/main" xmlns="" name="Office Theme" id="{62F939B6-93AF-4DB8-9C6B-D6C7DFDC589F}" vid="{4A3C46E8-61CC-4603-A589-7422A47A8E4A}"/>
     </a:ext>
   </a:extLst>
 </a:theme>
